--- a/Document/시스템/미션 튜토리얼.pptx
+++ b/Document/시스템/미션 튜토리얼.pptx
@@ -5,13 +5,20 @@
     <p:sldMasterId id="2147483648" r:id="rId1"/>
   </p:sldMasterIdLst>
   <p:notesMasterIdLst>
-    <p:notesMasterId r:id="rId6"/>
+    <p:notesMasterId r:id="rId13"/>
   </p:notesMasterIdLst>
   <p:sldIdLst>
     <p:sldId id="257" r:id="rId2"/>
     <p:sldId id="258" r:id="rId3"/>
     <p:sldId id="259" r:id="rId4"/>
     <p:sldId id="260" r:id="rId5"/>
+    <p:sldId id="261" r:id="rId6"/>
+    <p:sldId id="262" r:id="rId7"/>
+    <p:sldId id="263" r:id="rId8"/>
+    <p:sldId id="264" r:id="rId9"/>
+    <p:sldId id="265" r:id="rId10"/>
+    <p:sldId id="266" r:id="rId11"/>
+    <p:sldId id="267" r:id="rId12"/>
   </p:sldIdLst>
   <p:sldSz cx="12192000" cy="6858000"/>
   <p:notesSz cx="6858000" cy="9144000"/>
@@ -200,7 +207,7 @@
           <a:p>
             <a:fld id="{1BE7B796-A74A-480E-B7C3-F20E279F0A7C}" type="datetimeFigureOut">
               <a:rPr lang="ko-KR" altLang="en-US" smtClean="0"/>
-              <a:t>2022-04-12(Tue)</a:t>
+              <a:t>2022-05-31(Tue)</a:t>
             </a:fld>
             <a:endParaRPr lang="ko-KR" altLang="en-US"/>
           </a:p>
@@ -614,7 +621,7 @@
           <a:p>
             <a:fld id="{4E8DDE92-A542-49E3-8BCA-C8166235BA4E}" type="datetimeFigureOut">
               <a:rPr lang="ko-KR" altLang="en-US" smtClean="0"/>
-              <a:t>2022-04-12(Tue)</a:t>
+              <a:t>2022-05-31(Tue)</a:t>
             </a:fld>
             <a:endParaRPr lang="ko-KR" altLang="en-US"/>
           </a:p>
@@ -812,7 +819,7 @@
           <a:p>
             <a:fld id="{4E8DDE92-A542-49E3-8BCA-C8166235BA4E}" type="datetimeFigureOut">
               <a:rPr lang="ko-KR" altLang="en-US" smtClean="0"/>
-              <a:t>2022-04-12(Tue)</a:t>
+              <a:t>2022-05-31(Tue)</a:t>
             </a:fld>
             <a:endParaRPr lang="ko-KR" altLang="en-US"/>
           </a:p>
@@ -1020,7 +1027,7 @@
           <a:p>
             <a:fld id="{4E8DDE92-A542-49E3-8BCA-C8166235BA4E}" type="datetimeFigureOut">
               <a:rPr lang="ko-KR" altLang="en-US" smtClean="0"/>
-              <a:t>2022-04-12(Tue)</a:t>
+              <a:t>2022-05-31(Tue)</a:t>
             </a:fld>
             <a:endParaRPr lang="ko-KR" altLang="en-US"/>
           </a:p>
@@ -1280,7 +1287,7 @@
           <a:p>
             <a:fld id="{4E8DDE92-A542-49E3-8BCA-C8166235BA4E}" type="datetimeFigureOut">
               <a:rPr lang="ko-KR" altLang="en-US" smtClean="0"/>
-              <a:t>2022-04-12(Tue)</a:t>
+              <a:t>2022-05-31(Tue)</a:t>
             </a:fld>
             <a:endParaRPr lang="ko-KR" altLang="en-US"/>
           </a:p>
@@ -1555,7 +1562,7 @@
           <a:p>
             <a:fld id="{4E8DDE92-A542-49E3-8BCA-C8166235BA4E}" type="datetimeFigureOut">
               <a:rPr lang="ko-KR" altLang="en-US" smtClean="0"/>
-              <a:t>2022-04-12(Tue)</a:t>
+              <a:t>2022-05-31(Tue)</a:t>
             </a:fld>
             <a:endParaRPr lang="ko-KR" altLang="en-US"/>
           </a:p>
@@ -1820,7 +1827,7 @@
           <a:p>
             <a:fld id="{4E8DDE92-A542-49E3-8BCA-C8166235BA4E}" type="datetimeFigureOut">
               <a:rPr lang="ko-KR" altLang="en-US" smtClean="0"/>
-              <a:t>2022-04-12(Tue)</a:t>
+              <a:t>2022-05-31(Tue)</a:t>
             </a:fld>
             <a:endParaRPr lang="ko-KR" altLang="en-US"/>
           </a:p>
@@ -2232,7 +2239,7 @@
           <a:p>
             <a:fld id="{4E8DDE92-A542-49E3-8BCA-C8166235BA4E}" type="datetimeFigureOut">
               <a:rPr lang="ko-KR" altLang="en-US" smtClean="0"/>
-              <a:t>2022-04-12(Tue)</a:t>
+              <a:t>2022-05-31(Tue)</a:t>
             </a:fld>
             <a:endParaRPr lang="ko-KR" altLang="en-US"/>
           </a:p>
@@ -2373,7 +2380,7 @@
           <a:p>
             <a:fld id="{4E8DDE92-A542-49E3-8BCA-C8166235BA4E}" type="datetimeFigureOut">
               <a:rPr lang="ko-KR" altLang="en-US" smtClean="0"/>
-              <a:t>2022-04-12(Tue)</a:t>
+              <a:t>2022-05-31(Tue)</a:t>
             </a:fld>
             <a:endParaRPr lang="ko-KR" altLang="en-US"/>
           </a:p>
@@ -2486,7 +2493,7 @@
           <a:p>
             <a:fld id="{4E8DDE92-A542-49E3-8BCA-C8166235BA4E}" type="datetimeFigureOut">
               <a:rPr lang="ko-KR" altLang="en-US" smtClean="0"/>
-              <a:t>2022-04-12(Tue)</a:t>
+              <a:t>2022-05-31(Tue)</a:t>
             </a:fld>
             <a:endParaRPr lang="ko-KR" altLang="en-US"/>
           </a:p>
@@ -2797,7 +2804,7 @@
           <a:p>
             <a:fld id="{4E8DDE92-A542-49E3-8BCA-C8166235BA4E}" type="datetimeFigureOut">
               <a:rPr lang="ko-KR" altLang="en-US" smtClean="0"/>
-              <a:t>2022-04-12(Tue)</a:t>
+              <a:t>2022-05-31(Tue)</a:t>
             </a:fld>
             <a:endParaRPr lang="ko-KR" altLang="en-US"/>
           </a:p>
@@ -3085,7 +3092,7 @@
           <a:p>
             <a:fld id="{4E8DDE92-A542-49E3-8BCA-C8166235BA4E}" type="datetimeFigureOut">
               <a:rPr lang="ko-KR" altLang="en-US" smtClean="0"/>
-              <a:t>2022-04-12(Tue)</a:t>
+              <a:t>2022-05-31(Tue)</a:t>
             </a:fld>
             <a:endParaRPr lang="ko-KR" altLang="en-US"/>
           </a:p>
@@ -3326,7 +3333,7 @@
           <a:p>
             <a:fld id="{4E8DDE92-A542-49E3-8BCA-C8166235BA4E}" type="datetimeFigureOut">
               <a:rPr lang="ko-KR" altLang="en-US" smtClean="0"/>
-              <a:t>2022-04-12(Tue)</a:t>
+              <a:t>2022-05-31(Tue)</a:t>
             </a:fld>
             <a:endParaRPr lang="ko-KR" altLang="en-US"/>
           </a:p>
@@ -3829,6 +3836,1281 @@
 </p:sld>
 </file>
 
+<file path=ppt/slides/slide10.xml><?xml version="1.0" encoding="utf-8"?>
+<p:sld xmlns:a="http://schemas.openxmlformats.org/drawingml/2006/main" xmlns:r="http://schemas.openxmlformats.org/officeDocument/2006/relationships" xmlns:p="http://schemas.openxmlformats.org/presentationml/2006/main">
+  <p:cSld>
+    <p:spTree>
+      <p:nvGrpSpPr>
+        <p:cNvPr id="1" name=""/>
+        <p:cNvGrpSpPr/>
+        <p:nvPr/>
+      </p:nvGrpSpPr>
+      <p:grpSpPr>
+        <a:xfrm>
+          <a:off x="0" y="0"/>
+          <a:ext cx="0" cy="0"/>
+          <a:chOff x="0" y="0"/>
+          <a:chExt cx="0" cy="0"/>
+        </a:xfrm>
+      </p:grpSpPr>
+      <p:sp>
+        <p:nvSpPr>
+          <p:cNvPr id="2" name="제목 1">
+            <a:extLst>
+              <a:ext uri="{FF2B5EF4-FFF2-40B4-BE49-F238E27FC236}">
+                <a16:creationId xmlns:a16="http://schemas.microsoft.com/office/drawing/2014/main" id="{49E81460-F6FE-4B02-A684-1F671D578A83}"/>
+              </a:ext>
+            </a:extLst>
+          </p:cNvPr>
+          <p:cNvSpPr>
+            <a:spLocks noGrp="1"/>
+          </p:cNvSpPr>
+          <p:nvPr>
+            <p:ph type="title"/>
+          </p:nvPr>
+        </p:nvSpPr>
+        <p:spPr/>
+        <p:txBody>
+          <a:bodyPr>
+            <a:normAutofit/>
+          </a:bodyPr>
+          <a:lstStyle/>
+          <a:p>
+            <a:r>
+              <a:rPr lang="ko-KR" altLang="en-US" sz="3200" b="1" dirty="0"/>
+              <a:t>아이템 튜토리얼 </a:t>
+            </a:r>
+            <a:r>
+              <a:rPr lang="en-US" altLang="ko-KR" sz="3200" b="1" dirty="0"/>
+              <a:t>- </a:t>
+            </a:r>
+            <a:r>
+              <a:rPr lang="ko-KR" altLang="en-US" sz="3200" b="1" dirty="0"/>
+              <a:t>배터리</a:t>
+            </a:r>
+          </a:p>
+        </p:txBody>
+      </p:sp>
+      <p:sp>
+        <p:nvSpPr>
+          <p:cNvPr id="27" name="직사각형 26">
+            <a:extLst>
+              <a:ext uri="{FF2B5EF4-FFF2-40B4-BE49-F238E27FC236}">
+                <a16:creationId xmlns:a16="http://schemas.microsoft.com/office/drawing/2014/main" id="{F1D2B903-4ED9-4206-BEBA-6CCF989E9B85}"/>
+              </a:ext>
+            </a:extLst>
+          </p:cNvPr>
+          <p:cNvSpPr/>
+          <p:nvPr/>
+        </p:nvSpPr>
+        <p:spPr>
+          <a:xfrm>
+            <a:off x="2560958" y="1251935"/>
+            <a:ext cx="6648356" cy="732022"/>
+          </a:xfrm>
+          <a:prstGeom prst="rect">
+            <a:avLst/>
+          </a:prstGeom>
+          <a:solidFill>
+            <a:schemeClr val="bg1"/>
+          </a:solidFill>
+          <a:ln w="28575">
+            <a:solidFill>
+              <a:schemeClr val="tx1"/>
+            </a:solidFill>
+          </a:ln>
+        </p:spPr>
+        <p:style>
+          <a:lnRef idx="2">
+            <a:schemeClr val="accent1">
+              <a:shade val="50000"/>
+            </a:schemeClr>
+          </a:lnRef>
+          <a:fillRef idx="1">
+            <a:schemeClr val="accent1"/>
+          </a:fillRef>
+          <a:effectRef idx="0">
+            <a:schemeClr val="accent1"/>
+          </a:effectRef>
+          <a:fontRef idx="minor">
+            <a:schemeClr val="lt1"/>
+          </a:fontRef>
+        </p:style>
+        <p:txBody>
+          <a:bodyPr rtlCol="0" anchor="ctr"/>
+          <a:lstStyle/>
+          <a:p>
+            <a:pPr algn="ctr"/>
+            <a:r>
+              <a:rPr lang="ko-KR" altLang="en-US" sz="1100" dirty="0">
+                <a:ln w="0"/>
+                <a:solidFill>
+                  <a:schemeClr val="tx1"/>
+                </a:solidFill>
+                <a:effectLst>
+                  <a:outerShdw blurRad="38100" dist="19050" dir="2700000" algn="tl" rotWithShape="0">
+                    <a:schemeClr val="dk1">
+                      <a:alpha val="40000"/>
+                    </a:schemeClr>
+                  </a:outerShdw>
+                </a:effectLst>
+              </a:rPr>
+              <a:t>패널에 있는 배터리를 인벤토리로 드래그 합니다</a:t>
+            </a:r>
+            <a:r>
+              <a:rPr lang="en-US" altLang="ko-KR" sz="1100" dirty="0">
+                <a:ln w="0"/>
+                <a:solidFill>
+                  <a:schemeClr val="tx1"/>
+                </a:solidFill>
+                <a:effectLst>
+                  <a:outerShdw blurRad="38100" dist="19050" dir="2700000" algn="tl" rotWithShape="0">
+                    <a:schemeClr val="dk1">
+                      <a:alpha val="40000"/>
+                    </a:schemeClr>
+                  </a:outerShdw>
+                </a:effectLst>
+              </a:rPr>
+              <a:t>.</a:t>
+            </a:r>
+          </a:p>
+          <a:p>
+            <a:pPr algn="ctr"/>
+            <a:r>
+              <a:rPr lang="ko-KR" altLang="en-US" sz="1100" dirty="0">
+                <a:ln w="0"/>
+                <a:solidFill>
+                  <a:schemeClr val="tx1"/>
+                </a:solidFill>
+                <a:effectLst>
+                  <a:outerShdw blurRad="38100" dist="19050" dir="2700000" algn="tl" rotWithShape="0">
+                    <a:schemeClr val="dk1">
+                      <a:alpha val="40000"/>
+                    </a:schemeClr>
+                  </a:outerShdw>
+                </a:effectLst>
+              </a:rPr>
+              <a:t>드래그한 배터리는 빈 상태이니 충전을 해주세요</a:t>
+            </a:r>
+            <a:r>
+              <a:rPr lang="en-US" altLang="ko-KR" sz="1100" dirty="0">
+                <a:ln w="0"/>
+                <a:solidFill>
+                  <a:schemeClr val="tx1"/>
+                </a:solidFill>
+                <a:effectLst>
+                  <a:outerShdw blurRad="38100" dist="19050" dir="2700000" algn="tl" rotWithShape="0">
+                    <a:schemeClr val="dk1">
+                      <a:alpha val="40000"/>
+                    </a:schemeClr>
+                  </a:outerShdw>
+                </a:effectLst>
+              </a:rPr>
+              <a:t>.</a:t>
+            </a:r>
+          </a:p>
+        </p:txBody>
+      </p:sp>
+      <p:pic>
+        <p:nvPicPr>
+          <p:cNvPr id="7" name="그림 6">
+            <a:extLst>
+              <a:ext uri="{FF2B5EF4-FFF2-40B4-BE49-F238E27FC236}">
+                <a16:creationId xmlns:a16="http://schemas.microsoft.com/office/drawing/2014/main" id="{3FAE69D5-7BB7-7ED5-11A5-677044200D66}"/>
+              </a:ext>
+            </a:extLst>
+          </p:cNvPr>
+          <p:cNvPicPr>
+            <a:picLocks noChangeAspect="1"/>
+          </p:cNvPicPr>
+          <p:nvPr/>
+        </p:nvPicPr>
+        <p:blipFill>
+          <a:blip r:embed="rId2"/>
+          <a:stretch>
+            <a:fillRect/>
+          </a:stretch>
+        </p:blipFill>
+        <p:spPr>
+          <a:xfrm>
+            <a:off x="3966617" y="2365880"/>
+            <a:ext cx="3442019" cy="4022889"/>
+          </a:xfrm>
+          <a:prstGeom prst="rect">
+            <a:avLst/>
+          </a:prstGeom>
+        </p:spPr>
+      </p:pic>
+      <p:cxnSp>
+        <p:nvCxnSpPr>
+          <p:cNvPr id="29" name="직선 화살표 연결선 28">
+            <a:extLst>
+              <a:ext uri="{FF2B5EF4-FFF2-40B4-BE49-F238E27FC236}">
+                <a16:creationId xmlns:a16="http://schemas.microsoft.com/office/drawing/2014/main" id="{D257E101-5366-2567-B72B-AEDB4371059B}"/>
+              </a:ext>
+            </a:extLst>
+          </p:cNvPr>
+          <p:cNvCxnSpPr/>
+          <p:nvPr/>
+        </p:nvCxnSpPr>
+        <p:spPr>
+          <a:xfrm flipH="1">
+            <a:off x="4446494" y="3935506"/>
+            <a:ext cx="887506" cy="2169459"/>
+          </a:xfrm>
+          <a:prstGeom prst="straightConnector1">
+            <a:avLst/>
+          </a:prstGeom>
+          <a:ln>
+            <a:tailEnd type="triangle"/>
+          </a:ln>
+        </p:spPr>
+        <p:style>
+          <a:lnRef idx="1">
+            <a:schemeClr val="dk1"/>
+          </a:lnRef>
+          <a:fillRef idx="0">
+            <a:schemeClr val="dk1"/>
+          </a:fillRef>
+          <a:effectRef idx="0">
+            <a:schemeClr val="dk1"/>
+          </a:effectRef>
+          <a:fontRef idx="minor">
+            <a:schemeClr val="tx1"/>
+          </a:fontRef>
+        </p:style>
+      </p:cxnSp>
+    </p:spTree>
+    <p:extLst>
+      <p:ext uri="{BB962C8B-B14F-4D97-AF65-F5344CB8AC3E}">
+        <p14:creationId xmlns:p14="http://schemas.microsoft.com/office/powerpoint/2010/main" val="322242724"/>
+      </p:ext>
+    </p:extLst>
+  </p:cSld>
+  <p:clrMapOvr>
+    <a:masterClrMapping/>
+  </p:clrMapOvr>
+</p:sld>
+</file>
+
+<file path=ppt/slides/slide11.xml><?xml version="1.0" encoding="utf-8"?>
+<p:sld xmlns:a="http://schemas.openxmlformats.org/drawingml/2006/main" xmlns:r="http://schemas.openxmlformats.org/officeDocument/2006/relationships" xmlns:p="http://schemas.openxmlformats.org/presentationml/2006/main">
+  <p:cSld>
+    <p:spTree>
+      <p:nvGrpSpPr>
+        <p:cNvPr id="1" name=""/>
+        <p:cNvGrpSpPr/>
+        <p:nvPr/>
+      </p:nvGrpSpPr>
+      <p:grpSpPr>
+        <a:xfrm>
+          <a:off x="0" y="0"/>
+          <a:ext cx="0" cy="0"/>
+          <a:chOff x="0" y="0"/>
+          <a:chExt cx="0" cy="0"/>
+        </a:xfrm>
+      </p:grpSpPr>
+      <p:sp>
+        <p:nvSpPr>
+          <p:cNvPr id="3" name="사각형: 둥근 모서리 2">
+            <a:extLst>
+              <a:ext uri="{FF2B5EF4-FFF2-40B4-BE49-F238E27FC236}">
+                <a16:creationId xmlns:a16="http://schemas.microsoft.com/office/drawing/2014/main" id="{7C4EF7EC-88B8-8531-9F2E-FF3172467C7A}"/>
+              </a:ext>
+            </a:extLst>
+          </p:cNvPr>
+          <p:cNvSpPr/>
+          <p:nvPr/>
+        </p:nvSpPr>
+        <p:spPr>
+          <a:xfrm>
+            <a:off x="591671" y="2850775"/>
+            <a:ext cx="2250141" cy="3702425"/>
+          </a:xfrm>
+          <a:prstGeom prst="roundRect">
+            <a:avLst/>
+          </a:prstGeom>
+          <a:noFill/>
+          <a:ln w="38100">
+            <a:solidFill>
+              <a:schemeClr val="tx1"/>
+            </a:solidFill>
+          </a:ln>
+        </p:spPr>
+        <p:style>
+          <a:lnRef idx="2">
+            <a:schemeClr val="accent1">
+              <a:shade val="50000"/>
+            </a:schemeClr>
+          </a:lnRef>
+          <a:fillRef idx="1">
+            <a:schemeClr val="accent1"/>
+          </a:fillRef>
+          <a:effectRef idx="0">
+            <a:schemeClr val="accent1"/>
+          </a:effectRef>
+          <a:fontRef idx="minor">
+            <a:schemeClr val="lt1"/>
+          </a:fontRef>
+        </p:style>
+        <p:txBody>
+          <a:bodyPr rtlCol="0" anchor="ctr"/>
+          <a:lstStyle/>
+          <a:p>
+            <a:pPr algn="ctr"/>
+            <a:endParaRPr lang="ko-KR" altLang="en-US"/>
+          </a:p>
+        </p:txBody>
+      </p:sp>
+      <p:sp>
+        <p:nvSpPr>
+          <p:cNvPr id="2" name="제목 1">
+            <a:extLst>
+              <a:ext uri="{FF2B5EF4-FFF2-40B4-BE49-F238E27FC236}">
+                <a16:creationId xmlns:a16="http://schemas.microsoft.com/office/drawing/2014/main" id="{49E81460-F6FE-4B02-A684-1F671D578A83}"/>
+              </a:ext>
+            </a:extLst>
+          </p:cNvPr>
+          <p:cNvSpPr>
+            <a:spLocks noGrp="1"/>
+          </p:cNvSpPr>
+          <p:nvPr>
+            <p:ph type="title"/>
+          </p:nvPr>
+        </p:nvSpPr>
+        <p:spPr/>
+        <p:txBody>
+          <a:bodyPr>
+            <a:normAutofit/>
+          </a:bodyPr>
+          <a:lstStyle/>
+          <a:p>
+            <a:r>
+              <a:rPr lang="ko-KR" altLang="en-US" sz="3200" b="1" dirty="0"/>
+              <a:t>아이템 튜토리얼 </a:t>
+            </a:r>
+            <a:r>
+              <a:rPr lang="en-US" altLang="ko-KR" sz="3200" b="1" dirty="0"/>
+              <a:t>- </a:t>
+            </a:r>
+            <a:r>
+              <a:rPr lang="ko-KR" altLang="en-US" sz="3200" b="1" dirty="0"/>
+              <a:t>충전</a:t>
+            </a:r>
+          </a:p>
+        </p:txBody>
+      </p:sp>
+      <p:sp>
+        <p:nvSpPr>
+          <p:cNvPr id="27" name="직사각형 26">
+            <a:extLst>
+              <a:ext uri="{FF2B5EF4-FFF2-40B4-BE49-F238E27FC236}">
+                <a16:creationId xmlns:a16="http://schemas.microsoft.com/office/drawing/2014/main" id="{F1D2B903-4ED9-4206-BEBA-6CCF989E9B85}"/>
+              </a:ext>
+            </a:extLst>
+          </p:cNvPr>
+          <p:cNvSpPr/>
+          <p:nvPr/>
+        </p:nvSpPr>
+        <p:spPr>
+          <a:xfrm>
+            <a:off x="2560958" y="1251935"/>
+            <a:ext cx="6648356" cy="732022"/>
+          </a:xfrm>
+          <a:prstGeom prst="rect">
+            <a:avLst/>
+          </a:prstGeom>
+          <a:solidFill>
+            <a:schemeClr val="bg1"/>
+          </a:solidFill>
+          <a:ln w="28575">
+            <a:solidFill>
+              <a:schemeClr val="tx1"/>
+            </a:solidFill>
+          </a:ln>
+        </p:spPr>
+        <p:style>
+          <a:lnRef idx="2">
+            <a:schemeClr val="accent1">
+              <a:shade val="50000"/>
+            </a:schemeClr>
+          </a:lnRef>
+          <a:fillRef idx="1">
+            <a:schemeClr val="accent1"/>
+          </a:fillRef>
+          <a:effectRef idx="0">
+            <a:schemeClr val="accent1"/>
+          </a:effectRef>
+          <a:fontRef idx="minor">
+            <a:schemeClr val="lt1"/>
+          </a:fontRef>
+        </p:style>
+        <p:txBody>
+          <a:bodyPr rtlCol="0" anchor="ctr"/>
+          <a:lstStyle/>
+          <a:p>
+            <a:pPr algn="ctr"/>
+            <a:r>
+              <a:rPr lang="ko-KR" altLang="en-US" sz="1100" dirty="0">
+                <a:ln w="0"/>
+                <a:solidFill>
+                  <a:schemeClr val="tx1"/>
+                </a:solidFill>
+                <a:effectLst>
+                  <a:outerShdw blurRad="38100" dist="19050" dir="2700000" algn="tl" rotWithShape="0">
+                    <a:schemeClr val="dk1">
+                      <a:alpha val="40000"/>
+                    </a:schemeClr>
+                  </a:outerShdw>
+                </a:effectLst>
+              </a:rPr>
+              <a:t>검은 색 선이 점점 줄어듭니다</a:t>
+            </a:r>
+            <a:r>
+              <a:rPr lang="en-US" altLang="ko-KR" sz="1100" dirty="0">
+                <a:ln w="0"/>
+                <a:solidFill>
+                  <a:schemeClr val="tx1"/>
+                </a:solidFill>
+                <a:effectLst>
+                  <a:outerShdw blurRad="38100" dist="19050" dir="2700000" algn="tl" rotWithShape="0">
+                    <a:schemeClr val="dk1">
+                      <a:alpha val="40000"/>
+                    </a:schemeClr>
+                  </a:outerShdw>
+                </a:effectLst>
+              </a:rPr>
+              <a:t>. </a:t>
+            </a:r>
+          </a:p>
+          <a:p>
+            <a:pPr algn="ctr"/>
+            <a:r>
+              <a:rPr lang="ko-KR" altLang="en-US" sz="1100" dirty="0">
+                <a:ln w="0"/>
+                <a:solidFill>
+                  <a:schemeClr val="tx1"/>
+                </a:solidFill>
+                <a:effectLst>
+                  <a:outerShdw blurRad="38100" dist="19050" dir="2700000" algn="tl" rotWithShape="0">
+                    <a:schemeClr val="dk1">
+                      <a:alpha val="40000"/>
+                    </a:schemeClr>
+                  </a:outerShdw>
+                </a:effectLst>
+              </a:rPr>
+              <a:t>정확히 줄어들었을 때 클릭하면 모래가 절반 모이고 살짝 벗어나게 되면 </a:t>
+            </a:r>
+            <a:r>
+              <a:rPr lang="en-US" altLang="ko-KR" sz="1100" dirty="0">
+                <a:ln w="0"/>
+                <a:solidFill>
+                  <a:schemeClr val="tx1"/>
+                </a:solidFill>
+                <a:effectLst>
+                  <a:outerShdw blurRad="38100" dist="19050" dir="2700000" algn="tl" rotWithShape="0">
+                    <a:schemeClr val="dk1">
+                      <a:alpha val="40000"/>
+                    </a:schemeClr>
+                  </a:outerShdw>
+                </a:effectLst>
+              </a:rPr>
+              <a:t>4</a:t>
+            </a:r>
+            <a:r>
+              <a:rPr lang="ko-KR" altLang="en-US" sz="1100" dirty="0">
+                <a:ln w="0"/>
+                <a:solidFill>
+                  <a:schemeClr val="tx1"/>
+                </a:solidFill>
+                <a:effectLst>
+                  <a:outerShdw blurRad="38100" dist="19050" dir="2700000" algn="tl" rotWithShape="0">
+                    <a:schemeClr val="dk1">
+                      <a:alpha val="40000"/>
+                    </a:schemeClr>
+                  </a:outerShdw>
+                </a:effectLst>
+              </a:rPr>
+              <a:t>분의 </a:t>
+            </a:r>
+            <a:r>
+              <a:rPr lang="en-US" altLang="ko-KR" sz="1100" dirty="0">
+                <a:ln w="0"/>
+                <a:solidFill>
+                  <a:schemeClr val="tx1"/>
+                </a:solidFill>
+                <a:effectLst>
+                  <a:outerShdw blurRad="38100" dist="19050" dir="2700000" algn="tl" rotWithShape="0">
+                    <a:schemeClr val="dk1">
+                      <a:alpha val="40000"/>
+                    </a:schemeClr>
+                  </a:outerShdw>
+                </a:effectLst>
+              </a:rPr>
+              <a:t>1</a:t>
+            </a:r>
+            <a:r>
+              <a:rPr lang="ko-KR" altLang="en-US" sz="1100" dirty="0">
+                <a:ln w="0"/>
+                <a:solidFill>
+                  <a:schemeClr val="tx1"/>
+                </a:solidFill>
+                <a:effectLst>
+                  <a:outerShdw blurRad="38100" dist="19050" dir="2700000" algn="tl" rotWithShape="0">
+                    <a:schemeClr val="dk1">
+                      <a:alpha val="40000"/>
+                    </a:schemeClr>
+                  </a:outerShdw>
+                </a:effectLst>
+              </a:rPr>
+              <a:t>이 모이게 됩니다</a:t>
+            </a:r>
+            <a:r>
+              <a:rPr lang="en-US" altLang="ko-KR" sz="1100" dirty="0">
+                <a:ln w="0"/>
+                <a:solidFill>
+                  <a:schemeClr val="tx1"/>
+                </a:solidFill>
+                <a:effectLst>
+                  <a:outerShdw blurRad="38100" dist="19050" dir="2700000" algn="tl" rotWithShape="0">
+                    <a:schemeClr val="dk1">
+                      <a:alpha val="40000"/>
+                    </a:schemeClr>
+                  </a:outerShdw>
+                </a:effectLst>
+              </a:rPr>
+              <a:t>.</a:t>
+            </a:r>
+            <a:r>
+              <a:rPr lang="ko-KR" altLang="en-US" sz="1100" dirty="0">
+                <a:ln w="0"/>
+                <a:solidFill>
+                  <a:schemeClr val="tx1"/>
+                </a:solidFill>
+                <a:effectLst>
+                  <a:outerShdw blurRad="38100" dist="19050" dir="2700000" algn="tl" rotWithShape="0">
+                    <a:schemeClr val="dk1">
+                      <a:alpha val="40000"/>
+                    </a:schemeClr>
+                  </a:outerShdw>
+                </a:effectLst>
+              </a:rPr>
+              <a:t> </a:t>
+            </a:r>
+            <a:endParaRPr lang="en-US" altLang="ko-KR" sz="1100" dirty="0">
+              <a:ln w="0"/>
+              <a:solidFill>
+                <a:schemeClr val="tx1"/>
+              </a:solidFill>
+              <a:effectLst>
+                <a:outerShdw blurRad="38100" dist="19050" dir="2700000" algn="tl" rotWithShape="0">
+                  <a:schemeClr val="dk1">
+                    <a:alpha val="40000"/>
+                  </a:schemeClr>
+                </a:outerShdw>
+              </a:effectLst>
+            </a:endParaRPr>
+          </a:p>
+          <a:p>
+            <a:pPr algn="ctr"/>
+            <a:r>
+              <a:rPr lang="ko-KR" altLang="en-US" sz="1100" dirty="0">
+                <a:ln w="0"/>
+                <a:solidFill>
+                  <a:schemeClr val="tx1"/>
+                </a:solidFill>
+                <a:effectLst>
+                  <a:outerShdw blurRad="38100" dist="19050" dir="2700000" algn="tl" rotWithShape="0">
+                    <a:schemeClr val="dk1">
+                      <a:alpha val="40000"/>
+                    </a:schemeClr>
+                  </a:outerShdw>
+                </a:effectLst>
+              </a:rPr>
+              <a:t>너무 많이 벗어나게 되면 모래를 모으지 못하게 되니 주의하세요</a:t>
+            </a:r>
+            <a:r>
+              <a:rPr lang="en-US" altLang="ko-KR" sz="1100" dirty="0">
+                <a:ln w="0"/>
+                <a:solidFill>
+                  <a:schemeClr val="tx1"/>
+                </a:solidFill>
+                <a:effectLst>
+                  <a:outerShdw blurRad="38100" dist="19050" dir="2700000" algn="tl" rotWithShape="0">
+                    <a:schemeClr val="dk1">
+                      <a:alpha val="40000"/>
+                    </a:schemeClr>
+                  </a:outerShdw>
+                </a:effectLst>
+              </a:rPr>
+              <a:t>.</a:t>
+            </a:r>
+          </a:p>
+        </p:txBody>
+      </p:sp>
+      <p:pic>
+        <p:nvPicPr>
+          <p:cNvPr id="5" name="그림 4">
+            <a:extLst>
+              <a:ext uri="{FF2B5EF4-FFF2-40B4-BE49-F238E27FC236}">
+                <a16:creationId xmlns:a16="http://schemas.microsoft.com/office/drawing/2014/main" id="{0FA876A8-2EDD-4587-8AF5-C16591B7AD64}"/>
+              </a:ext>
+            </a:extLst>
+          </p:cNvPr>
+          <p:cNvPicPr>
+            <a:picLocks noChangeAspect="1"/>
+          </p:cNvPicPr>
+          <p:nvPr/>
+        </p:nvPicPr>
+        <p:blipFill>
+          <a:blip r:embed="rId2"/>
+          <a:stretch>
+            <a:fillRect/>
+          </a:stretch>
+        </p:blipFill>
+        <p:spPr>
+          <a:xfrm>
+            <a:off x="804148" y="3039140"/>
+            <a:ext cx="1756810" cy="2007783"/>
+          </a:xfrm>
+          <a:prstGeom prst="rect">
+            <a:avLst/>
+          </a:prstGeom>
+        </p:spPr>
+      </p:pic>
+      <p:pic>
+        <p:nvPicPr>
+          <p:cNvPr id="6" name="그림 5">
+            <a:extLst>
+              <a:ext uri="{FF2B5EF4-FFF2-40B4-BE49-F238E27FC236}">
+                <a16:creationId xmlns:a16="http://schemas.microsoft.com/office/drawing/2014/main" id="{37ECCB3A-B872-A196-491A-B8D4FD47E822}"/>
+              </a:ext>
+            </a:extLst>
+          </p:cNvPr>
+          <p:cNvPicPr>
+            <a:picLocks noChangeAspect="1"/>
+          </p:cNvPicPr>
+          <p:nvPr/>
+        </p:nvPicPr>
+        <p:blipFill>
+          <a:blip r:embed="rId3"/>
+          <a:stretch>
+            <a:fillRect/>
+          </a:stretch>
+        </p:blipFill>
+        <p:spPr>
+          <a:xfrm>
+            <a:off x="4159021" y="3065935"/>
+            <a:ext cx="1728249" cy="1978929"/>
+          </a:xfrm>
+          <a:prstGeom prst="rect">
+            <a:avLst/>
+          </a:prstGeom>
+        </p:spPr>
+      </p:pic>
+      <p:pic>
+        <p:nvPicPr>
+          <p:cNvPr id="8" name="그림 7">
+            <a:extLst>
+              <a:ext uri="{FF2B5EF4-FFF2-40B4-BE49-F238E27FC236}">
+                <a16:creationId xmlns:a16="http://schemas.microsoft.com/office/drawing/2014/main" id="{A8A97423-1A2E-647A-7E10-EE1CF0660894}"/>
+              </a:ext>
+            </a:extLst>
+          </p:cNvPr>
+          <p:cNvPicPr>
+            <a:picLocks noChangeAspect="1"/>
+          </p:cNvPicPr>
+          <p:nvPr/>
+        </p:nvPicPr>
+        <p:blipFill>
+          <a:blip r:embed="rId4"/>
+          <a:stretch>
+            <a:fillRect/>
+          </a:stretch>
+        </p:blipFill>
+        <p:spPr>
+          <a:xfrm>
+            <a:off x="6507455" y="3065935"/>
+            <a:ext cx="1728249" cy="2007783"/>
+          </a:xfrm>
+          <a:prstGeom prst="rect">
+            <a:avLst/>
+          </a:prstGeom>
+        </p:spPr>
+      </p:pic>
+      <p:pic>
+        <p:nvPicPr>
+          <p:cNvPr id="9" name="그림 8">
+            <a:extLst>
+              <a:ext uri="{FF2B5EF4-FFF2-40B4-BE49-F238E27FC236}">
+                <a16:creationId xmlns:a16="http://schemas.microsoft.com/office/drawing/2014/main" id="{73FD6418-AEF0-8A17-8B7B-57926EAA04D5}"/>
+              </a:ext>
+            </a:extLst>
+          </p:cNvPr>
+          <p:cNvPicPr>
+            <a:picLocks noChangeAspect="1"/>
+          </p:cNvPicPr>
+          <p:nvPr/>
+        </p:nvPicPr>
+        <p:blipFill>
+          <a:blip r:embed="rId5"/>
+          <a:stretch>
+            <a:fillRect/>
+          </a:stretch>
+        </p:blipFill>
+        <p:spPr>
+          <a:xfrm>
+            <a:off x="9451390" y="3065935"/>
+            <a:ext cx="1728250" cy="1980988"/>
+          </a:xfrm>
+          <a:prstGeom prst="rect">
+            <a:avLst/>
+          </a:prstGeom>
+        </p:spPr>
+      </p:pic>
+      <p:sp>
+        <p:nvSpPr>
+          <p:cNvPr id="10" name="사각형: 둥근 모서리 9">
+            <a:extLst>
+              <a:ext uri="{FF2B5EF4-FFF2-40B4-BE49-F238E27FC236}">
+                <a16:creationId xmlns:a16="http://schemas.microsoft.com/office/drawing/2014/main" id="{3FC2FD2A-3374-B6E8-B7FE-03B843D9AFFE}"/>
+              </a:ext>
+            </a:extLst>
+          </p:cNvPr>
+          <p:cNvSpPr/>
+          <p:nvPr/>
+        </p:nvSpPr>
+        <p:spPr>
+          <a:xfrm>
+            <a:off x="3899695" y="2850775"/>
+            <a:ext cx="4527129" cy="3702425"/>
+          </a:xfrm>
+          <a:prstGeom prst="roundRect">
+            <a:avLst/>
+          </a:prstGeom>
+          <a:noFill/>
+          <a:ln w="38100">
+            <a:solidFill>
+              <a:schemeClr val="tx1"/>
+            </a:solidFill>
+          </a:ln>
+        </p:spPr>
+        <p:style>
+          <a:lnRef idx="2">
+            <a:schemeClr val="accent1">
+              <a:shade val="50000"/>
+            </a:schemeClr>
+          </a:lnRef>
+          <a:fillRef idx="1">
+            <a:schemeClr val="accent1"/>
+          </a:fillRef>
+          <a:effectRef idx="0">
+            <a:schemeClr val="accent1"/>
+          </a:effectRef>
+          <a:fontRef idx="minor">
+            <a:schemeClr val="lt1"/>
+          </a:fontRef>
+        </p:style>
+        <p:txBody>
+          <a:bodyPr rtlCol="0" anchor="ctr"/>
+          <a:lstStyle/>
+          <a:p>
+            <a:pPr algn="ctr"/>
+            <a:endParaRPr lang="ko-KR" altLang="en-US"/>
+          </a:p>
+        </p:txBody>
+      </p:sp>
+      <p:sp>
+        <p:nvSpPr>
+          <p:cNvPr id="11" name="사각형: 둥근 모서리 10">
+            <a:extLst>
+              <a:ext uri="{FF2B5EF4-FFF2-40B4-BE49-F238E27FC236}">
+                <a16:creationId xmlns:a16="http://schemas.microsoft.com/office/drawing/2014/main" id="{1044E2FB-344C-E3ED-8BDF-499581637780}"/>
+              </a:ext>
+            </a:extLst>
+          </p:cNvPr>
+          <p:cNvSpPr/>
+          <p:nvPr/>
+        </p:nvSpPr>
+        <p:spPr>
+          <a:xfrm>
+            <a:off x="9190444" y="2850775"/>
+            <a:ext cx="2250141" cy="3702425"/>
+          </a:xfrm>
+          <a:prstGeom prst="roundRect">
+            <a:avLst/>
+          </a:prstGeom>
+          <a:noFill/>
+          <a:ln w="38100">
+            <a:solidFill>
+              <a:schemeClr val="tx1"/>
+            </a:solidFill>
+          </a:ln>
+        </p:spPr>
+        <p:style>
+          <a:lnRef idx="2">
+            <a:schemeClr val="accent1">
+              <a:shade val="50000"/>
+            </a:schemeClr>
+          </a:lnRef>
+          <a:fillRef idx="1">
+            <a:schemeClr val="accent1"/>
+          </a:fillRef>
+          <a:effectRef idx="0">
+            <a:schemeClr val="accent1"/>
+          </a:effectRef>
+          <a:fontRef idx="minor">
+            <a:schemeClr val="lt1"/>
+          </a:fontRef>
+        </p:style>
+        <p:txBody>
+          <a:bodyPr rtlCol="0" anchor="ctr"/>
+          <a:lstStyle/>
+          <a:p>
+            <a:pPr algn="ctr"/>
+            <a:endParaRPr lang="ko-KR" altLang="en-US"/>
+          </a:p>
+        </p:txBody>
+      </p:sp>
+      <p:sp>
+        <p:nvSpPr>
+          <p:cNvPr id="4" name="화살표: 오른쪽 3">
+            <a:extLst>
+              <a:ext uri="{FF2B5EF4-FFF2-40B4-BE49-F238E27FC236}">
+                <a16:creationId xmlns:a16="http://schemas.microsoft.com/office/drawing/2014/main" id="{87F19365-82ED-2AB2-D5CF-6342EF1F953C}"/>
+              </a:ext>
+            </a:extLst>
+          </p:cNvPr>
+          <p:cNvSpPr/>
+          <p:nvPr/>
+        </p:nvSpPr>
+        <p:spPr>
+          <a:xfrm>
+            <a:off x="6032346" y="3935506"/>
+            <a:ext cx="304462" cy="304800"/>
+          </a:xfrm>
+          <a:prstGeom prst="rightArrow">
+            <a:avLst/>
+          </a:prstGeom>
+        </p:spPr>
+        <p:style>
+          <a:lnRef idx="2">
+            <a:schemeClr val="dk1">
+              <a:shade val="50000"/>
+            </a:schemeClr>
+          </a:lnRef>
+          <a:fillRef idx="1">
+            <a:schemeClr val="dk1"/>
+          </a:fillRef>
+          <a:effectRef idx="0">
+            <a:schemeClr val="dk1"/>
+          </a:effectRef>
+          <a:fontRef idx="minor">
+            <a:schemeClr val="lt1"/>
+          </a:fontRef>
+        </p:style>
+        <p:txBody>
+          <a:bodyPr rtlCol="0" anchor="ctr"/>
+          <a:lstStyle/>
+          <a:p>
+            <a:pPr algn="ctr"/>
+            <a:endParaRPr lang="ko-KR" altLang="en-US"/>
+          </a:p>
+        </p:txBody>
+      </p:sp>
+      <p:sp>
+        <p:nvSpPr>
+          <p:cNvPr id="12" name="타원 11">
+            <a:extLst>
+              <a:ext uri="{FF2B5EF4-FFF2-40B4-BE49-F238E27FC236}">
+                <a16:creationId xmlns:a16="http://schemas.microsoft.com/office/drawing/2014/main" id="{F184EBE5-537D-3E23-FE7F-A3C8E0C9C7DA}"/>
+              </a:ext>
+            </a:extLst>
+          </p:cNvPr>
+          <p:cNvSpPr/>
+          <p:nvPr/>
+        </p:nvSpPr>
+        <p:spPr>
+          <a:xfrm>
+            <a:off x="543203" y="2808762"/>
+            <a:ext cx="331694" cy="331694"/>
+          </a:xfrm>
+          <a:prstGeom prst="ellipse">
+            <a:avLst/>
+          </a:prstGeom>
+          <a:solidFill>
+            <a:schemeClr val="bg2">
+              <a:lumMod val="25000"/>
+            </a:schemeClr>
+          </a:solidFill>
+          <a:ln>
+            <a:solidFill>
+              <a:srgbClr val="000000"/>
+            </a:solidFill>
+          </a:ln>
+        </p:spPr>
+        <p:style>
+          <a:lnRef idx="2">
+            <a:schemeClr val="accent1">
+              <a:shade val="50000"/>
+            </a:schemeClr>
+          </a:lnRef>
+          <a:fillRef idx="1">
+            <a:schemeClr val="accent1"/>
+          </a:fillRef>
+          <a:effectRef idx="0">
+            <a:schemeClr val="accent1"/>
+          </a:effectRef>
+          <a:fontRef idx="minor">
+            <a:schemeClr val="lt1"/>
+          </a:fontRef>
+        </p:style>
+        <p:txBody>
+          <a:bodyPr rtlCol="0" anchor="ctr"/>
+          <a:lstStyle/>
+          <a:p>
+            <a:pPr algn="ctr"/>
+            <a:r>
+              <a:rPr lang="en-US" altLang="ko-KR" sz="1200" b="1" dirty="0"/>
+              <a:t>1</a:t>
+            </a:r>
+            <a:endParaRPr lang="ko-KR" altLang="en-US" sz="1200" b="1" dirty="0"/>
+          </a:p>
+        </p:txBody>
+      </p:sp>
+      <p:sp>
+        <p:nvSpPr>
+          <p:cNvPr id="14" name="타원 13">
+            <a:extLst>
+              <a:ext uri="{FF2B5EF4-FFF2-40B4-BE49-F238E27FC236}">
+                <a16:creationId xmlns:a16="http://schemas.microsoft.com/office/drawing/2014/main" id="{B803D8B7-8A63-AC2E-2299-772462B53051}"/>
+              </a:ext>
+            </a:extLst>
+          </p:cNvPr>
+          <p:cNvSpPr/>
+          <p:nvPr/>
+        </p:nvSpPr>
+        <p:spPr>
+          <a:xfrm>
+            <a:off x="3993174" y="2808762"/>
+            <a:ext cx="331694" cy="331694"/>
+          </a:xfrm>
+          <a:prstGeom prst="ellipse">
+            <a:avLst/>
+          </a:prstGeom>
+          <a:solidFill>
+            <a:schemeClr val="bg2">
+              <a:lumMod val="25000"/>
+            </a:schemeClr>
+          </a:solidFill>
+          <a:ln>
+            <a:solidFill>
+              <a:srgbClr val="000000"/>
+            </a:solidFill>
+          </a:ln>
+        </p:spPr>
+        <p:style>
+          <a:lnRef idx="2">
+            <a:schemeClr val="accent1">
+              <a:shade val="50000"/>
+            </a:schemeClr>
+          </a:lnRef>
+          <a:fillRef idx="1">
+            <a:schemeClr val="accent1"/>
+          </a:fillRef>
+          <a:effectRef idx="0">
+            <a:schemeClr val="accent1"/>
+          </a:effectRef>
+          <a:fontRef idx="minor">
+            <a:schemeClr val="lt1"/>
+          </a:fontRef>
+        </p:style>
+        <p:txBody>
+          <a:bodyPr rtlCol="0" anchor="ctr"/>
+          <a:lstStyle/>
+          <a:p>
+            <a:pPr algn="ctr"/>
+            <a:r>
+              <a:rPr lang="en-US" altLang="ko-KR" sz="1200" b="1" dirty="0"/>
+              <a:t>2</a:t>
+            </a:r>
+            <a:endParaRPr lang="ko-KR" altLang="en-US" sz="1200" b="1" dirty="0"/>
+          </a:p>
+        </p:txBody>
+      </p:sp>
+      <p:sp>
+        <p:nvSpPr>
+          <p:cNvPr id="15" name="타원 14">
+            <a:extLst>
+              <a:ext uri="{FF2B5EF4-FFF2-40B4-BE49-F238E27FC236}">
+                <a16:creationId xmlns:a16="http://schemas.microsoft.com/office/drawing/2014/main" id="{506F50FF-0467-D9A2-26A7-250086262C15}"/>
+              </a:ext>
+            </a:extLst>
+          </p:cNvPr>
+          <p:cNvSpPr/>
+          <p:nvPr/>
+        </p:nvSpPr>
+        <p:spPr>
+          <a:xfrm>
+            <a:off x="9119696" y="2763937"/>
+            <a:ext cx="331694" cy="331694"/>
+          </a:xfrm>
+          <a:prstGeom prst="ellipse">
+            <a:avLst/>
+          </a:prstGeom>
+          <a:solidFill>
+            <a:schemeClr val="bg2">
+              <a:lumMod val="25000"/>
+            </a:schemeClr>
+          </a:solidFill>
+          <a:ln>
+            <a:solidFill>
+              <a:srgbClr val="000000"/>
+            </a:solidFill>
+          </a:ln>
+        </p:spPr>
+        <p:style>
+          <a:lnRef idx="2">
+            <a:schemeClr val="accent1">
+              <a:shade val="50000"/>
+            </a:schemeClr>
+          </a:lnRef>
+          <a:fillRef idx="1">
+            <a:schemeClr val="accent1"/>
+          </a:fillRef>
+          <a:effectRef idx="0">
+            <a:schemeClr val="accent1"/>
+          </a:effectRef>
+          <a:fontRef idx="minor">
+            <a:schemeClr val="lt1"/>
+          </a:fontRef>
+        </p:style>
+        <p:txBody>
+          <a:bodyPr rtlCol="0" anchor="ctr"/>
+          <a:lstStyle/>
+          <a:p>
+            <a:pPr algn="ctr"/>
+            <a:r>
+              <a:rPr lang="en-US" altLang="ko-KR" sz="1400" b="1" dirty="0"/>
+              <a:t>3</a:t>
+            </a:r>
+            <a:endParaRPr lang="ko-KR" altLang="en-US" sz="1400" b="1" dirty="0"/>
+          </a:p>
+        </p:txBody>
+      </p:sp>
+      <p:cxnSp>
+        <p:nvCxnSpPr>
+          <p:cNvPr id="16" name="직선 화살표 연결선 15">
+            <a:extLst>
+              <a:ext uri="{FF2B5EF4-FFF2-40B4-BE49-F238E27FC236}">
+                <a16:creationId xmlns:a16="http://schemas.microsoft.com/office/drawing/2014/main" id="{909EA36D-248A-4107-B460-8170C8BA97BE}"/>
+              </a:ext>
+            </a:extLst>
+          </p:cNvPr>
+          <p:cNvCxnSpPr/>
+          <p:nvPr/>
+        </p:nvCxnSpPr>
+        <p:spPr>
+          <a:xfrm flipV="1">
+            <a:off x="1030941" y="4527176"/>
+            <a:ext cx="815788" cy="376518"/>
+          </a:xfrm>
+          <a:prstGeom prst="straightConnector1">
+            <a:avLst/>
+          </a:prstGeom>
+          <a:ln>
+            <a:tailEnd type="triangle"/>
+          </a:ln>
+        </p:spPr>
+        <p:style>
+          <a:lnRef idx="1">
+            <a:schemeClr val="dk1"/>
+          </a:lnRef>
+          <a:fillRef idx="0">
+            <a:schemeClr val="dk1"/>
+          </a:fillRef>
+          <a:effectRef idx="0">
+            <a:schemeClr val="dk1"/>
+          </a:effectRef>
+          <a:fontRef idx="minor">
+            <a:schemeClr val="tx1"/>
+          </a:fontRef>
+        </p:style>
+      </p:cxnSp>
+      <p:sp>
+        <p:nvSpPr>
+          <p:cNvPr id="17" name="TextBox 16">
+            <a:extLst>
+              <a:ext uri="{FF2B5EF4-FFF2-40B4-BE49-F238E27FC236}">
+                <a16:creationId xmlns:a16="http://schemas.microsoft.com/office/drawing/2014/main" id="{391F13E6-0EB7-2BC7-A0CC-1A8F54152252}"/>
+              </a:ext>
+            </a:extLst>
+          </p:cNvPr>
+          <p:cNvSpPr txBox="1"/>
+          <p:nvPr/>
+        </p:nvSpPr>
+        <p:spPr>
+          <a:xfrm>
+            <a:off x="665812" y="5606065"/>
+            <a:ext cx="2101857" cy="230832"/>
+          </a:xfrm>
+          <a:prstGeom prst="rect">
+            <a:avLst/>
+          </a:prstGeom>
+          <a:noFill/>
+        </p:spPr>
+        <p:txBody>
+          <a:bodyPr wrap="none" rtlCol="0">
+            <a:spAutoFit/>
+          </a:bodyPr>
+          <a:lstStyle/>
+          <a:p>
+            <a:r>
+              <a:rPr lang="ko-KR" altLang="en-US" sz="900" dirty="0"/>
+              <a:t>배터리 아이템을 충전기에 올려 둔다</a:t>
+            </a:r>
+            <a:r>
+              <a:rPr lang="en-US" altLang="ko-KR" sz="900" dirty="0"/>
+              <a:t>.</a:t>
+            </a:r>
+            <a:endParaRPr lang="ko-KR" altLang="en-US" sz="900" dirty="0"/>
+          </a:p>
+        </p:txBody>
+      </p:sp>
+      <p:sp>
+        <p:nvSpPr>
+          <p:cNvPr id="19" name="TextBox 18">
+            <a:extLst>
+              <a:ext uri="{FF2B5EF4-FFF2-40B4-BE49-F238E27FC236}">
+                <a16:creationId xmlns:a16="http://schemas.microsoft.com/office/drawing/2014/main" id="{C1677836-2013-3040-577A-8900875AFAAB}"/>
+              </a:ext>
+            </a:extLst>
+          </p:cNvPr>
+          <p:cNvSpPr txBox="1"/>
+          <p:nvPr/>
+        </p:nvSpPr>
+        <p:spPr>
+          <a:xfrm>
+            <a:off x="4633099" y="5630716"/>
+            <a:ext cx="2925801" cy="307777"/>
+          </a:xfrm>
+          <a:prstGeom prst="rect">
+            <a:avLst/>
+          </a:prstGeom>
+          <a:noFill/>
+        </p:spPr>
+        <p:txBody>
+          <a:bodyPr wrap="none" rtlCol="0">
+            <a:spAutoFit/>
+          </a:bodyPr>
+          <a:lstStyle/>
+          <a:p>
+            <a:r>
+              <a:rPr lang="ko-KR" altLang="en-US" sz="1400" b="1" dirty="0"/>
+              <a:t>배터리가 충전될 때까지 기다린다</a:t>
+            </a:r>
+            <a:r>
+              <a:rPr lang="en-US" altLang="ko-KR" sz="1400" b="1" dirty="0"/>
+              <a:t>.</a:t>
+            </a:r>
+            <a:endParaRPr lang="ko-KR" altLang="en-US" sz="1400" b="1" dirty="0"/>
+          </a:p>
+        </p:txBody>
+      </p:sp>
+      <p:sp>
+        <p:nvSpPr>
+          <p:cNvPr id="21" name="TextBox 20">
+            <a:extLst>
+              <a:ext uri="{FF2B5EF4-FFF2-40B4-BE49-F238E27FC236}">
+                <a16:creationId xmlns:a16="http://schemas.microsoft.com/office/drawing/2014/main" id="{5CFB20EC-6938-B72E-43A0-1ED0EE2186E3}"/>
+              </a:ext>
+            </a:extLst>
+          </p:cNvPr>
+          <p:cNvSpPr txBox="1"/>
+          <p:nvPr/>
+        </p:nvSpPr>
+        <p:spPr>
+          <a:xfrm>
+            <a:off x="9451390" y="5684645"/>
+            <a:ext cx="1675459" cy="230832"/>
+          </a:xfrm>
+          <a:prstGeom prst="rect">
+            <a:avLst/>
+          </a:prstGeom>
+          <a:noFill/>
+        </p:spPr>
+        <p:txBody>
+          <a:bodyPr wrap="none" rtlCol="0">
+            <a:spAutoFit/>
+          </a:bodyPr>
+          <a:lstStyle/>
+          <a:p>
+            <a:r>
+              <a:rPr lang="ko-KR" altLang="en-US" sz="900"/>
+              <a:t>배터리를 인벤토리로 옮긴다</a:t>
+            </a:r>
+            <a:r>
+              <a:rPr lang="en-US" altLang="ko-KR" sz="900" dirty="0"/>
+              <a:t>.</a:t>
+            </a:r>
+            <a:endParaRPr lang="ko-KR" altLang="en-US" sz="900" dirty="0"/>
+          </a:p>
+        </p:txBody>
+      </p:sp>
+      <p:cxnSp>
+        <p:nvCxnSpPr>
+          <p:cNvPr id="22" name="직선 화살표 연결선 21">
+            <a:extLst>
+              <a:ext uri="{FF2B5EF4-FFF2-40B4-BE49-F238E27FC236}">
+                <a16:creationId xmlns:a16="http://schemas.microsoft.com/office/drawing/2014/main" id="{1DB4F59F-142B-6ED2-D151-A85C9814F557}"/>
+              </a:ext>
+            </a:extLst>
+          </p:cNvPr>
+          <p:cNvCxnSpPr>
+            <a:cxnSpLocks/>
+          </p:cNvCxnSpPr>
+          <p:nvPr/>
+        </p:nvCxnSpPr>
+        <p:spPr>
+          <a:xfrm flipH="1">
+            <a:off x="9699812" y="4527176"/>
+            <a:ext cx="788894" cy="376518"/>
+          </a:xfrm>
+          <a:prstGeom prst="straightConnector1">
+            <a:avLst/>
+          </a:prstGeom>
+          <a:ln>
+            <a:tailEnd type="triangle"/>
+          </a:ln>
+        </p:spPr>
+        <p:style>
+          <a:lnRef idx="1">
+            <a:schemeClr val="dk1"/>
+          </a:lnRef>
+          <a:fillRef idx="0">
+            <a:schemeClr val="dk1"/>
+          </a:fillRef>
+          <a:effectRef idx="0">
+            <a:schemeClr val="dk1"/>
+          </a:effectRef>
+          <a:fontRef idx="minor">
+            <a:schemeClr val="tx1"/>
+          </a:fontRef>
+        </p:style>
+      </p:cxnSp>
+    </p:spTree>
+    <p:extLst>
+      <p:ext uri="{BB962C8B-B14F-4D97-AF65-F5344CB8AC3E}">
+        <p14:creationId xmlns:p14="http://schemas.microsoft.com/office/powerpoint/2010/main" val="4004278512"/>
+      </p:ext>
+    </p:extLst>
+  </p:cSld>
+  <p:clrMapOvr>
+    <a:masterClrMapping/>
+  </p:clrMapOvr>
+</p:sld>
+</file>
+
 <file path=ppt/slides/slide2.xml><?xml version="1.0" encoding="utf-8"?>
 <p:sld xmlns:a="http://schemas.openxmlformats.org/drawingml/2006/main" xmlns:r="http://schemas.openxmlformats.org/officeDocument/2006/relationships" xmlns:p="http://schemas.openxmlformats.org/presentationml/2006/main">
   <p:cSld>
@@ -5018,6 +6300,2228 @@
     <p:extLst>
       <p:ext uri="{BB962C8B-B14F-4D97-AF65-F5344CB8AC3E}">
         <p14:creationId xmlns:p14="http://schemas.microsoft.com/office/powerpoint/2010/main" val="506519837"/>
+      </p:ext>
+    </p:extLst>
+  </p:cSld>
+  <p:clrMapOvr>
+    <a:masterClrMapping/>
+  </p:clrMapOvr>
+</p:sld>
+</file>
+
+<file path=ppt/slides/slide5.xml><?xml version="1.0" encoding="utf-8"?>
+<p:sld xmlns:a="http://schemas.openxmlformats.org/drawingml/2006/main" xmlns:r="http://schemas.openxmlformats.org/officeDocument/2006/relationships" xmlns:p="http://schemas.openxmlformats.org/presentationml/2006/main">
+  <p:cSld>
+    <p:spTree>
+      <p:nvGrpSpPr>
+        <p:cNvPr id="1" name=""/>
+        <p:cNvGrpSpPr/>
+        <p:nvPr/>
+      </p:nvGrpSpPr>
+      <p:grpSpPr>
+        <a:xfrm>
+          <a:off x="0" y="0"/>
+          <a:ext cx="0" cy="0"/>
+          <a:chOff x="0" y="0"/>
+          <a:chExt cx="0" cy="0"/>
+        </a:xfrm>
+      </p:grpSpPr>
+      <p:sp>
+        <p:nvSpPr>
+          <p:cNvPr id="2" name="제목 1">
+            <a:extLst>
+              <a:ext uri="{FF2B5EF4-FFF2-40B4-BE49-F238E27FC236}">
+                <a16:creationId xmlns:a16="http://schemas.microsoft.com/office/drawing/2014/main" id="{49E81460-F6FE-4B02-A684-1F671D578A83}"/>
+              </a:ext>
+            </a:extLst>
+          </p:cNvPr>
+          <p:cNvSpPr>
+            <a:spLocks noGrp="1"/>
+          </p:cNvSpPr>
+          <p:nvPr>
+            <p:ph type="title"/>
+          </p:nvPr>
+        </p:nvSpPr>
+        <p:spPr/>
+        <p:txBody>
+          <a:bodyPr>
+            <a:normAutofit/>
+          </a:bodyPr>
+          <a:lstStyle/>
+          <a:p>
+            <a:r>
+              <a:rPr lang="ko-KR" altLang="en-US" sz="3200" b="1" dirty="0"/>
+              <a:t>아이템 튜토리얼 </a:t>
+            </a:r>
+            <a:r>
+              <a:rPr lang="en-US" altLang="ko-KR" sz="3200" b="1" dirty="0"/>
+              <a:t>- </a:t>
+            </a:r>
+            <a:r>
+              <a:rPr lang="ko-KR" altLang="en-US" sz="3200" b="1" dirty="0"/>
+              <a:t>광물</a:t>
+            </a:r>
+          </a:p>
+        </p:txBody>
+      </p:sp>
+      <p:sp>
+        <p:nvSpPr>
+          <p:cNvPr id="27" name="직사각형 26">
+            <a:extLst>
+              <a:ext uri="{FF2B5EF4-FFF2-40B4-BE49-F238E27FC236}">
+                <a16:creationId xmlns:a16="http://schemas.microsoft.com/office/drawing/2014/main" id="{F1D2B903-4ED9-4206-BEBA-6CCF989E9B85}"/>
+              </a:ext>
+            </a:extLst>
+          </p:cNvPr>
+          <p:cNvSpPr/>
+          <p:nvPr/>
+        </p:nvSpPr>
+        <p:spPr>
+          <a:xfrm>
+            <a:off x="2560958" y="1251935"/>
+            <a:ext cx="6648356" cy="732022"/>
+          </a:xfrm>
+          <a:prstGeom prst="rect">
+            <a:avLst/>
+          </a:prstGeom>
+          <a:solidFill>
+            <a:schemeClr val="bg1"/>
+          </a:solidFill>
+          <a:ln w="28575">
+            <a:solidFill>
+              <a:schemeClr val="tx1"/>
+            </a:solidFill>
+          </a:ln>
+        </p:spPr>
+        <p:style>
+          <a:lnRef idx="2">
+            <a:schemeClr val="accent1">
+              <a:shade val="50000"/>
+            </a:schemeClr>
+          </a:lnRef>
+          <a:fillRef idx="1">
+            <a:schemeClr val="accent1"/>
+          </a:fillRef>
+          <a:effectRef idx="0">
+            <a:schemeClr val="accent1"/>
+          </a:effectRef>
+          <a:fontRef idx="minor">
+            <a:schemeClr val="lt1"/>
+          </a:fontRef>
+        </p:style>
+        <p:txBody>
+          <a:bodyPr rtlCol="0" anchor="ctr"/>
+          <a:lstStyle/>
+          <a:p>
+            <a:pPr algn="ctr"/>
+            <a:r>
+              <a:rPr lang="ko-KR" altLang="en-US" sz="1200" dirty="0">
+                <a:ln w="0"/>
+                <a:solidFill>
+                  <a:schemeClr val="tx1"/>
+                </a:solidFill>
+                <a:effectLst>
+                  <a:outerShdw blurRad="38100" dist="19050" dir="2700000" algn="tl" rotWithShape="0">
+                    <a:schemeClr val="dk1">
+                      <a:alpha val="40000"/>
+                    </a:schemeClr>
+                  </a:outerShdw>
+                </a:effectLst>
+              </a:rPr>
+              <a:t>광산에 있는 벽에서 광물을 채굴하는 컨셉</a:t>
+            </a:r>
+            <a:r>
+              <a:rPr lang="en-US" altLang="ko-KR" sz="1200" dirty="0">
+                <a:ln w="0"/>
+                <a:solidFill>
+                  <a:schemeClr val="tx1"/>
+                </a:solidFill>
+                <a:effectLst>
+                  <a:outerShdw blurRad="38100" dist="19050" dir="2700000" algn="tl" rotWithShape="0">
+                    <a:schemeClr val="dk1">
+                      <a:alpha val="40000"/>
+                    </a:schemeClr>
+                  </a:outerShdw>
+                </a:effectLst>
+              </a:rPr>
+              <a:t>.</a:t>
+            </a:r>
+          </a:p>
+          <a:p>
+            <a:pPr algn="ctr"/>
+            <a:r>
+              <a:rPr lang="ko-KR" altLang="en-US" sz="1200" dirty="0">
+                <a:ln w="0"/>
+                <a:solidFill>
+                  <a:schemeClr val="tx1"/>
+                </a:solidFill>
+                <a:effectLst>
+                  <a:outerShdw blurRad="38100" dist="19050" dir="2700000" algn="tl" rotWithShape="0">
+                    <a:schemeClr val="dk1">
+                      <a:alpha val="40000"/>
+                    </a:schemeClr>
+                  </a:outerShdw>
+                </a:effectLst>
+              </a:rPr>
+              <a:t>벽을 </a:t>
+            </a:r>
+            <a:r>
+              <a:rPr lang="en-US" altLang="ko-KR" sz="1200" dirty="0">
+                <a:ln w="0"/>
+                <a:solidFill>
+                  <a:schemeClr val="tx1"/>
+                </a:solidFill>
+                <a:effectLst>
+                  <a:outerShdw blurRad="38100" dist="19050" dir="2700000" algn="tl" rotWithShape="0">
+                    <a:schemeClr val="dk1">
+                      <a:alpha val="40000"/>
+                    </a:schemeClr>
+                  </a:outerShdw>
+                </a:effectLst>
+              </a:rPr>
+              <a:t>3</a:t>
+            </a:r>
+            <a:r>
+              <a:rPr lang="ko-KR" altLang="en-US" sz="1200" dirty="0">
+                <a:ln w="0"/>
+                <a:solidFill>
+                  <a:schemeClr val="tx1"/>
+                </a:solidFill>
+                <a:effectLst>
+                  <a:outerShdw blurRad="38100" dist="19050" dir="2700000" algn="tl" rotWithShape="0">
+                    <a:schemeClr val="dk1">
+                      <a:alpha val="40000"/>
+                    </a:schemeClr>
+                  </a:outerShdw>
+                </a:effectLst>
+              </a:rPr>
+              <a:t>번 치면 점점 벽이 깨지며 광물이 나옵니다</a:t>
+            </a:r>
+            <a:r>
+              <a:rPr lang="en-US" altLang="ko-KR" sz="1200" dirty="0">
+                <a:ln w="0"/>
+                <a:solidFill>
+                  <a:schemeClr val="tx1"/>
+                </a:solidFill>
+                <a:effectLst>
+                  <a:outerShdw blurRad="38100" dist="19050" dir="2700000" algn="tl" rotWithShape="0">
+                    <a:schemeClr val="dk1">
+                      <a:alpha val="40000"/>
+                    </a:schemeClr>
+                  </a:outerShdw>
+                </a:effectLst>
+              </a:rPr>
+              <a:t>. </a:t>
+            </a:r>
+          </a:p>
+          <a:p>
+            <a:pPr algn="ctr"/>
+            <a:r>
+              <a:rPr lang="en-US" altLang="ko-KR" sz="1200" dirty="0">
+                <a:ln w="0"/>
+                <a:solidFill>
+                  <a:schemeClr val="tx1"/>
+                </a:solidFill>
+                <a:effectLst>
+                  <a:outerShdw blurRad="38100" dist="19050" dir="2700000" algn="tl" rotWithShape="0">
+                    <a:schemeClr val="dk1">
+                      <a:alpha val="40000"/>
+                    </a:schemeClr>
+                  </a:outerShdw>
+                </a:effectLst>
+              </a:rPr>
+              <a:t>6</a:t>
+            </a:r>
+            <a:r>
+              <a:rPr lang="ko-KR" altLang="en-US" sz="1200" dirty="0">
+                <a:ln w="0"/>
+                <a:solidFill>
+                  <a:schemeClr val="tx1"/>
+                </a:solidFill>
+                <a:effectLst>
+                  <a:outerShdw blurRad="38100" dist="19050" dir="2700000" algn="tl" rotWithShape="0">
+                    <a:schemeClr val="dk1">
+                      <a:alpha val="40000"/>
+                    </a:schemeClr>
+                  </a:outerShdw>
+                </a:effectLst>
+              </a:rPr>
+              <a:t>개의 칸으로 나뉘어 있으며</a:t>
+            </a:r>
+            <a:r>
+              <a:rPr lang="en-US" altLang="ko-KR" sz="1200" dirty="0">
+                <a:ln w="0"/>
+                <a:solidFill>
+                  <a:schemeClr val="tx1"/>
+                </a:solidFill>
+                <a:effectLst>
+                  <a:outerShdw blurRad="38100" dist="19050" dir="2700000" algn="tl" rotWithShape="0">
+                    <a:schemeClr val="dk1">
+                      <a:alpha val="40000"/>
+                    </a:schemeClr>
+                  </a:outerShdw>
+                </a:effectLst>
+              </a:rPr>
+              <a:t> </a:t>
+            </a:r>
+            <a:r>
+              <a:rPr lang="ko-KR" altLang="en-US" sz="1200" dirty="0">
+                <a:ln w="0"/>
+                <a:solidFill>
+                  <a:schemeClr val="tx1"/>
+                </a:solidFill>
+                <a:effectLst>
+                  <a:outerShdw blurRad="38100" dist="19050" dir="2700000" algn="tl" rotWithShape="0">
+                    <a:schemeClr val="dk1">
+                      <a:alpha val="40000"/>
+                    </a:schemeClr>
+                  </a:outerShdw>
+                </a:effectLst>
+              </a:rPr>
+              <a:t>각 칸은 </a:t>
+            </a:r>
+            <a:r>
+              <a:rPr lang="en-US" altLang="ko-KR" sz="1200" dirty="0">
+                <a:ln w="0"/>
+                <a:solidFill>
+                  <a:schemeClr val="tx1"/>
+                </a:solidFill>
+                <a:effectLst>
+                  <a:outerShdw blurRad="38100" dist="19050" dir="2700000" algn="tl" rotWithShape="0">
+                    <a:schemeClr val="dk1">
+                      <a:alpha val="40000"/>
+                    </a:schemeClr>
+                  </a:outerShdw>
+                </a:effectLst>
+              </a:rPr>
+              <a:t>60% </a:t>
+            </a:r>
+            <a:r>
+              <a:rPr lang="ko-KR" altLang="en-US" sz="1200" dirty="0">
+                <a:ln w="0"/>
+                <a:solidFill>
+                  <a:schemeClr val="tx1"/>
+                </a:solidFill>
+                <a:effectLst>
+                  <a:outerShdw blurRad="38100" dist="19050" dir="2700000" algn="tl" rotWithShape="0">
+                    <a:schemeClr val="dk1">
+                      <a:alpha val="40000"/>
+                    </a:schemeClr>
+                  </a:outerShdw>
+                </a:effectLst>
+              </a:rPr>
+              <a:t>확률로 광물이 들어 있습니다</a:t>
+            </a:r>
+            <a:r>
+              <a:rPr lang="en-US" altLang="ko-KR" sz="1200" dirty="0">
+                <a:ln w="0"/>
+                <a:solidFill>
+                  <a:schemeClr val="tx1"/>
+                </a:solidFill>
+                <a:effectLst>
+                  <a:outerShdw blurRad="38100" dist="19050" dir="2700000" algn="tl" rotWithShape="0">
+                    <a:schemeClr val="dk1">
+                      <a:alpha val="40000"/>
+                    </a:schemeClr>
+                  </a:outerShdw>
+                </a:effectLst>
+              </a:rPr>
+              <a:t>.</a:t>
+            </a:r>
+          </a:p>
+        </p:txBody>
+      </p:sp>
+      <p:pic>
+        <p:nvPicPr>
+          <p:cNvPr id="9" name="내용 개체 틀 8">
+            <a:extLst>
+              <a:ext uri="{FF2B5EF4-FFF2-40B4-BE49-F238E27FC236}">
+                <a16:creationId xmlns:a16="http://schemas.microsoft.com/office/drawing/2014/main" id="{FD58D7FA-466E-6D85-A404-5323E9B9D43B}"/>
+              </a:ext>
+            </a:extLst>
+          </p:cNvPr>
+          <p:cNvPicPr>
+            <a:picLocks noGrp="1" noChangeAspect="1"/>
+          </p:cNvPicPr>
+          <p:nvPr>
+            <p:ph idx="1"/>
+          </p:nvPr>
+        </p:nvPicPr>
+        <p:blipFill>
+          <a:blip r:embed="rId2"/>
+          <a:stretch>
+            <a:fillRect/>
+          </a:stretch>
+        </p:blipFill>
+        <p:spPr>
+          <a:xfrm>
+            <a:off x="1150195" y="2351072"/>
+            <a:ext cx="3465467" cy="3422801"/>
+          </a:xfrm>
+        </p:spPr>
+      </p:pic>
+      <p:pic>
+        <p:nvPicPr>
+          <p:cNvPr id="11" name="그래픽 10" descr="터치 스크린 단색으로 채워진">
+            <a:extLst>
+              <a:ext uri="{FF2B5EF4-FFF2-40B4-BE49-F238E27FC236}">
+                <a16:creationId xmlns:a16="http://schemas.microsoft.com/office/drawing/2014/main" id="{06AE223A-7033-59A1-D6D6-357AF4CAF5D6}"/>
+              </a:ext>
+            </a:extLst>
+          </p:cNvPr>
+          <p:cNvPicPr>
+            <a:picLocks noChangeAspect="1"/>
+          </p:cNvPicPr>
+          <p:nvPr/>
+        </p:nvPicPr>
+        <p:blipFill>
+          <a:blip r:embed="rId3">
+            <a:extLst>
+              <a:ext uri="{28A0092B-C50C-407E-A947-70E740481C1C}">
+                <a14:useLocalDpi xmlns:a14="http://schemas.microsoft.com/office/drawing/2010/main" val="0"/>
+              </a:ext>
+              <a:ext uri="{96DAC541-7B7A-43D3-8B79-37D633B846F1}">
+                <asvg:svgBlip xmlns:asvg="http://schemas.microsoft.com/office/drawing/2016/SVG/main" r:embed="rId4"/>
+              </a:ext>
+            </a:extLst>
+          </a:blip>
+          <a:stretch>
+            <a:fillRect/>
+          </a:stretch>
+        </p:blipFill>
+        <p:spPr>
+          <a:xfrm>
+            <a:off x="1561122" y="3221359"/>
+            <a:ext cx="566737" cy="566737"/>
+          </a:xfrm>
+          <a:prstGeom prst="rect">
+            <a:avLst/>
+          </a:prstGeom>
+        </p:spPr>
+      </p:pic>
+      <p:sp>
+        <p:nvSpPr>
+          <p:cNvPr id="13" name="화살표: 오른쪽 12">
+            <a:extLst>
+              <a:ext uri="{FF2B5EF4-FFF2-40B4-BE49-F238E27FC236}">
+                <a16:creationId xmlns:a16="http://schemas.microsoft.com/office/drawing/2014/main" id="{3DC69BA0-061E-7B67-A5E7-6B438E7B1BD0}"/>
+              </a:ext>
+            </a:extLst>
+          </p:cNvPr>
+          <p:cNvSpPr/>
+          <p:nvPr/>
+        </p:nvSpPr>
+        <p:spPr>
+          <a:xfrm>
+            <a:off x="5700692" y="3709712"/>
+            <a:ext cx="790615" cy="600741"/>
+          </a:xfrm>
+          <a:prstGeom prst="rightArrow">
+            <a:avLst/>
+          </a:prstGeom>
+          <a:solidFill>
+            <a:schemeClr val="tx1">
+              <a:lumMod val="75000"/>
+              <a:lumOff val="25000"/>
+            </a:schemeClr>
+          </a:solidFill>
+          <a:ln>
+            <a:solidFill>
+              <a:schemeClr val="tx1"/>
+            </a:solidFill>
+          </a:ln>
+        </p:spPr>
+        <p:style>
+          <a:lnRef idx="2">
+            <a:schemeClr val="accent1">
+              <a:shade val="50000"/>
+            </a:schemeClr>
+          </a:lnRef>
+          <a:fillRef idx="1">
+            <a:schemeClr val="accent1"/>
+          </a:fillRef>
+          <a:effectRef idx="0">
+            <a:schemeClr val="accent1"/>
+          </a:effectRef>
+          <a:fontRef idx="minor">
+            <a:schemeClr val="lt1"/>
+          </a:fontRef>
+        </p:style>
+        <p:txBody>
+          <a:bodyPr rtlCol="0" anchor="ctr"/>
+          <a:lstStyle/>
+          <a:p>
+            <a:pPr algn="ctr"/>
+            <a:endParaRPr lang="ko-KR" altLang="en-US"/>
+          </a:p>
+        </p:txBody>
+      </p:sp>
+      <p:pic>
+        <p:nvPicPr>
+          <p:cNvPr id="17" name="그림 16">
+            <a:extLst>
+              <a:ext uri="{FF2B5EF4-FFF2-40B4-BE49-F238E27FC236}">
+                <a16:creationId xmlns:a16="http://schemas.microsoft.com/office/drawing/2014/main" id="{A6170323-5D6C-8699-89EB-B0F9DB047918}"/>
+              </a:ext>
+            </a:extLst>
+          </p:cNvPr>
+          <p:cNvPicPr>
+            <a:picLocks noChangeAspect="1"/>
+          </p:cNvPicPr>
+          <p:nvPr/>
+        </p:nvPicPr>
+        <p:blipFill>
+          <a:blip r:embed="rId5"/>
+          <a:stretch>
+            <a:fillRect/>
+          </a:stretch>
+        </p:blipFill>
+        <p:spPr>
+          <a:xfrm>
+            <a:off x="7576337" y="2351073"/>
+            <a:ext cx="3432322" cy="3422801"/>
+          </a:xfrm>
+          <a:prstGeom prst="rect">
+            <a:avLst/>
+          </a:prstGeom>
+        </p:spPr>
+      </p:pic>
+      <p:sp>
+        <p:nvSpPr>
+          <p:cNvPr id="20" name="TextBox 19">
+            <a:extLst>
+              <a:ext uri="{FF2B5EF4-FFF2-40B4-BE49-F238E27FC236}">
+                <a16:creationId xmlns:a16="http://schemas.microsoft.com/office/drawing/2014/main" id="{65C4E691-10BF-DCDA-9E61-1A7153316DE9}"/>
+              </a:ext>
+            </a:extLst>
+          </p:cNvPr>
+          <p:cNvSpPr txBox="1"/>
+          <p:nvPr/>
+        </p:nvSpPr>
+        <p:spPr>
+          <a:xfrm>
+            <a:off x="2031446" y="3359564"/>
+            <a:ext cx="681957" cy="369332"/>
+          </a:xfrm>
+          <a:prstGeom prst="rect">
+            <a:avLst/>
+          </a:prstGeom>
+          <a:noFill/>
+        </p:spPr>
+        <p:txBody>
+          <a:bodyPr wrap="square" rtlCol="0">
+            <a:spAutoFit/>
+          </a:bodyPr>
+          <a:lstStyle/>
+          <a:p>
+            <a:r>
+              <a:rPr lang="en-US" altLang="ko-KR" b="1" dirty="0"/>
+              <a:t>X 3</a:t>
+            </a:r>
+            <a:endParaRPr lang="ko-KR" altLang="en-US" b="1" dirty="0"/>
+          </a:p>
+        </p:txBody>
+      </p:sp>
+    </p:spTree>
+    <p:extLst>
+      <p:ext uri="{BB962C8B-B14F-4D97-AF65-F5344CB8AC3E}">
+        <p14:creationId xmlns:p14="http://schemas.microsoft.com/office/powerpoint/2010/main" val="49693807"/>
+      </p:ext>
+    </p:extLst>
+  </p:cSld>
+  <p:clrMapOvr>
+    <a:masterClrMapping/>
+  </p:clrMapOvr>
+</p:sld>
+</file>
+
+<file path=ppt/slides/slide6.xml><?xml version="1.0" encoding="utf-8"?>
+<p:sld xmlns:a="http://schemas.openxmlformats.org/drawingml/2006/main" xmlns:r="http://schemas.openxmlformats.org/officeDocument/2006/relationships" xmlns:p="http://schemas.openxmlformats.org/presentationml/2006/main">
+  <p:cSld>
+    <p:spTree>
+      <p:nvGrpSpPr>
+        <p:cNvPr id="1" name=""/>
+        <p:cNvGrpSpPr/>
+        <p:nvPr/>
+      </p:nvGrpSpPr>
+      <p:grpSpPr>
+        <a:xfrm>
+          <a:off x="0" y="0"/>
+          <a:ext cx="0" cy="0"/>
+          <a:chOff x="0" y="0"/>
+          <a:chExt cx="0" cy="0"/>
+        </a:xfrm>
+      </p:grpSpPr>
+      <p:sp>
+        <p:nvSpPr>
+          <p:cNvPr id="2" name="제목 1">
+            <a:extLst>
+              <a:ext uri="{FF2B5EF4-FFF2-40B4-BE49-F238E27FC236}">
+                <a16:creationId xmlns:a16="http://schemas.microsoft.com/office/drawing/2014/main" id="{49E81460-F6FE-4B02-A684-1F671D578A83}"/>
+              </a:ext>
+            </a:extLst>
+          </p:cNvPr>
+          <p:cNvSpPr>
+            <a:spLocks noGrp="1"/>
+          </p:cNvSpPr>
+          <p:nvPr>
+            <p:ph type="title"/>
+          </p:nvPr>
+        </p:nvSpPr>
+        <p:spPr/>
+        <p:txBody>
+          <a:bodyPr>
+            <a:normAutofit/>
+          </a:bodyPr>
+          <a:lstStyle/>
+          <a:p>
+            <a:r>
+              <a:rPr lang="ko-KR" altLang="en-US" sz="3200" b="1" dirty="0"/>
+              <a:t>아이템 튜토리얼 </a:t>
+            </a:r>
+            <a:r>
+              <a:rPr lang="en-US" altLang="ko-KR" sz="3200" b="1" dirty="0"/>
+              <a:t>- </a:t>
+            </a:r>
+            <a:r>
+              <a:rPr lang="ko-KR" altLang="en-US" sz="3200" b="1" dirty="0"/>
+              <a:t>물병</a:t>
+            </a:r>
+          </a:p>
+        </p:txBody>
+      </p:sp>
+      <p:sp>
+        <p:nvSpPr>
+          <p:cNvPr id="27" name="직사각형 26">
+            <a:extLst>
+              <a:ext uri="{FF2B5EF4-FFF2-40B4-BE49-F238E27FC236}">
+                <a16:creationId xmlns:a16="http://schemas.microsoft.com/office/drawing/2014/main" id="{F1D2B903-4ED9-4206-BEBA-6CCF989E9B85}"/>
+              </a:ext>
+            </a:extLst>
+          </p:cNvPr>
+          <p:cNvSpPr/>
+          <p:nvPr/>
+        </p:nvSpPr>
+        <p:spPr>
+          <a:xfrm>
+            <a:off x="2560958" y="1251935"/>
+            <a:ext cx="6648356" cy="732022"/>
+          </a:xfrm>
+          <a:prstGeom prst="rect">
+            <a:avLst/>
+          </a:prstGeom>
+          <a:solidFill>
+            <a:schemeClr val="bg1"/>
+          </a:solidFill>
+          <a:ln w="28575">
+            <a:solidFill>
+              <a:schemeClr val="tx1"/>
+            </a:solidFill>
+          </a:ln>
+        </p:spPr>
+        <p:style>
+          <a:lnRef idx="2">
+            <a:schemeClr val="accent1">
+              <a:shade val="50000"/>
+            </a:schemeClr>
+          </a:lnRef>
+          <a:fillRef idx="1">
+            <a:schemeClr val="accent1"/>
+          </a:fillRef>
+          <a:effectRef idx="0">
+            <a:schemeClr val="accent1"/>
+          </a:effectRef>
+          <a:fontRef idx="minor">
+            <a:schemeClr val="lt1"/>
+          </a:fontRef>
+        </p:style>
+        <p:txBody>
+          <a:bodyPr rtlCol="0" anchor="ctr"/>
+          <a:lstStyle/>
+          <a:p>
+            <a:pPr algn="ctr"/>
+            <a:r>
+              <a:rPr lang="ko-KR" altLang="en-US" sz="1200" dirty="0">
+                <a:ln w="0"/>
+                <a:solidFill>
+                  <a:schemeClr val="tx1"/>
+                </a:solidFill>
+                <a:effectLst>
+                  <a:outerShdw blurRad="38100" dist="19050" dir="2700000" algn="tl" rotWithShape="0">
+                    <a:schemeClr val="dk1">
+                      <a:alpha val="40000"/>
+                    </a:schemeClr>
+                  </a:outerShdw>
+                </a:effectLst>
+              </a:rPr>
+              <a:t>물을 가지러 가기 위해서 물통을 가지고 가야합니다</a:t>
+            </a:r>
+            <a:r>
+              <a:rPr lang="en-US" altLang="ko-KR" sz="1200" dirty="0">
+                <a:ln w="0"/>
+                <a:solidFill>
+                  <a:schemeClr val="tx1"/>
+                </a:solidFill>
+                <a:effectLst>
+                  <a:outerShdw blurRad="38100" dist="19050" dir="2700000" algn="tl" rotWithShape="0">
+                    <a:schemeClr val="dk1">
+                      <a:alpha val="40000"/>
+                    </a:schemeClr>
+                  </a:outerShdw>
+                </a:effectLst>
+              </a:rPr>
+              <a:t>.</a:t>
+            </a:r>
+          </a:p>
+          <a:p>
+            <a:pPr algn="ctr"/>
+            <a:r>
+              <a:rPr lang="ko-KR" altLang="en-US" sz="1200" dirty="0">
+                <a:ln w="0"/>
+                <a:solidFill>
+                  <a:schemeClr val="tx1"/>
+                </a:solidFill>
+                <a:effectLst>
+                  <a:outerShdw blurRad="38100" dist="19050" dir="2700000" algn="tl" rotWithShape="0">
+                    <a:schemeClr val="dk1">
+                      <a:alpha val="40000"/>
+                    </a:schemeClr>
+                  </a:outerShdw>
+                </a:effectLst>
+              </a:rPr>
+              <a:t>물을 가지러 가기 위해서 물통을 </a:t>
+            </a:r>
+            <a:r>
+              <a:rPr lang="ko-KR" altLang="en-US" sz="1200" dirty="0" err="1">
+                <a:ln w="0"/>
+                <a:solidFill>
+                  <a:schemeClr val="tx1"/>
+                </a:solidFill>
+                <a:effectLst>
+                  <a:outerShdw blurRad="38100" dist="19050" dir="2700000" algn="tl" rotWithShape="0">
+                    <a:schemeClr val="dk1">
+                      <a:alpha val="40000"/>
+                    </a:schemeClr>
+                  </a:outerShdw>
+                </a:effectLst>
+              </a:rPr>
+              <a:t>파밍하는</a:t>
+            </a:r>
+            <a:r>
+              <a:rPr lang="ko-KR" altLang="en-US" sz="1200" dirty="0">
+                <a:ln w="0"/>
+                <a:solidFill>
+                  <a:schemeClr val="tx1"/>
+                </a:solidFill>
+                <a:effectLst>
+                  <a:outerShdw blurRad="38100" dist="19050" dir="2700000" algn="tl" rotWithShape="0">
+                    <a:schemeClr val="dk1">
+                      <a:alpha val="40000"/>
+                    </a:schemeClr>
+                  </a:outerShdw>
+                </a:effectLst>
+              </a:rPr>
+              <a:t> 과정입니다</a:t>
+            </a:r>
+            <a:r>
+              <a:rPr lang="en-US" altLang="ko-KR" sz="1200" dirty="0">
+                <a:ln w="0"/>
+                <a:solidFill>
+                  <a:schemeClr val="tx1"/>
+                </a:solidFill>
+                <a:effectLst>
+                  <a:outerShdw blurRad="38100" dist="19050" dir="2700000" algn="tl" rotWithShape="0">
+                    <a:schemeClr val="dk1">
+                      <a:alpha val="40000"/>
+                    </a:schemeClr>
+                  </a:outerShdw>
+                </a:effectLst>
+              </a:rPr>
+              <a:t>.</a:t>
+            </a:r>
+          </a:p>
+        </p:txBody>
+      </p:sp>
+      <p:pic>
+        <p:nvPicPr>
+          <p:cNvPr id="6" name="그림 5">
+            <a:extLst>
+              <a:ext uri="{FF2B5EF4-FFF2-40B4-BE49-F238E27FC236}">
+                <a16:creationId xmlns:a16="http://schemas.microsoft.com/office/drawing/2014/main" id="{80DEE2B6-620A-F4F4-29FF-2F1AAB07FF79}"/>
+              </a:ext>
+            </a:extLst>
+          </p:cNvPr>
+          <p:cNvPicPr>
+            <a:picLocks noChangeAspect="1"/>
+          </p:cNvPicPr>
+          <p:nvPr/>
+        </p:nvPicPr>
+        <p:blipFill>
+          <a:blip r:embed="rId2"/>
+          <a:stretch>
+            <a:fillRect/>
+          </a:stretch>
+        </p:blipFill>
+        <p:spPr>
+          <a:xfrm>
+            <a:off x="698393" y="2136206"/>
+            <a:ext cx="4249271" cy="4554705"/>
+          </a:xfrm>
+          <a:prstGeom prst="rect">
+            <a:avLst/>
+          </a:prstGeom>
+        </p:spPr>
+      </p:pic>
+      <p:sp>
+        <p:nvSpPr>
+          <p:cNvPr id="18" name="화살표: 오른쪽 17">
+            <a:extLst>
+              <a:ext uri="{FF2B5EF4-FFF2-40B4-BE49-F238E27FC236}">
+                <a16:creationId xmlns:a16="http://schemas.microsoft.com/office/drawing/2014/main" id="{6D8BAFCF-F045-7365-A2F8-7359F4AEB1A2}"/>
+              </a:ext>
+            </a:extLst>
+          </p:cNvPr>
+          <p:cNvSpPr/>
+          <p:nvPr/>
+        </p:nvSpPr>
+        <p:spPr>
+          <a:xfrm>
+            <a:off x="5700692" y="3651496"/>
+            <a:ext cx="790615" cy="600741"/>
+          </a:xfrm>
+          <a:prstGeom prst="rightArrow">
+            <a:avLst/>
+          </a:prstGeom>
+          <a:solidFill>
+            <a:schemeClr val="tx1">
+              <a:lumMod val="75000"/>
+              <a:lumOff val="25000"/>
+            </a:schemeClr>
+          </a:solidFill>
+          <a:ln>
+            <a:solidFill>
+              <a:schemeClr val="tx1"/>
+            </a:solidFill>
+          </a:ln>
+        </p:spPr>
+        <p:style>
+          <a:lnRef idx="2">
+            <a:schemeClr val="accent1">
+              <a:shade val="50000"/>
+            </a:schemeClr>
+          </a:lnRef>
+          <a:fillRef idx="1">
+            <a:schemeClr val="accent1"/>
+          </a:fillRef>
+          <a:effectRef idx="0">
+            <a:schemeClr val="accent1"/>
+          </a:effectRef>
+          <a:fontRef idx="minor">
+            <a:schemeClr val="lt1"/>
+          </a:fontRef>
+        </p:style>
+        <p:txBody>
+          <a:bodyPr rtlCol="0" anchor="ctr"/>
+          <a:lstStyle/>
+          <a:p>
+            <a:pPr algn="ctr"/>
+            <a:endParaRPr lang="ko-KR" altLang="en-US"/>
+          </a:p>
+        </p:txBody>
+      </p:sp>
+      <p:pic>
+        <p:nvPicPr>
+          <p:cNvPr id="15" name="그림 14">
+            <a:extLst>
+              <a:ext uri="{FF2B5EF4-FFF2-40B4-BE49-F238E27FC236}">
+                <a16:creationId xmlns:a16="http://schemas.microsoft.com/office/drawing/2014/main" id="{7F8DCAC8-D4F1-61D9-3C68-FC14D6E02F30}"/>
+              </a:ext>
+            </a:extLst>
+          </p:cNvPr>
+          <p:cNvPicPr>
+            <a:picLocks noChangeAspect="1"/>
+          </p:cNvPicPr>
+          <p:nvPr/>
+        </p:nvPicPr>
+        <p:blipFill>
+          <a:blip r:embed="rId3"/>
+          <a:stretch>
+            <a:fillRect/>
+          </a:stretch>
+        </p:blipFill>
+        <p:spPr>
+          <a:xfrm>
+            <a:off x="7360024" y="2122626"/>
+            <a:ext cx="4026007" cy="4568285"/>
+          </a:xfrm>
+          <a:prstGeom prst="rect">
+            <a:avLst/>
+          </a:prstGeom>
+        </p:spPr>
+      </p:pic>
+      <p:pic>
+        <p:nvPicPr>
+          <p:cNvPr id="14" name="그래픽 13" descr="터치 스크린 단색으로 채워진">
+            <a:extLst>
+              <a:ext uri="{FF2B5EF4-FFF2-40B4-BE49-F238E27FC236}">
+                <a16:creationId xmlns:a16="http://schemas.microsoft.com/office/drawing/2014/main" id="{DE027C5A-2A70-E1A7-588B-34ED07A6CE3B}"/>
+              </a:ext>
+            </a:extLst>
+          </p:cNvPr>
+          <p:cNvPicPr>
+            <a:picLocks noChangeAspect="1"/>
+          </p:cNvPicPr>
+          <p:nvPr/>
+        </p:nvPicPr>
+        <p:blipFill>
+          <a:blip r:embed="rId4">
+            <a:extLst>
+              <a:ext uri="{28A0092B-C50C-407E-A947-70E740481C1C}">
+                <a14:useLocalDpi xmlns:a14="http://schemas.microsoft.com/office/drawing/2010/main" val="0"/>
+              </a:ext>
+              <a:ext uri="{96DAC541-7B7A-43D3-8B79-37D633B846F1}">
+                <asvg:svgBlip xmlns:asvg="http://schemas.microsoft.com/office/drawing/2016/SVG/main" r:embed="rId5"/>
+              </a:ext>
+            </a:extLst>
+          </a:blip>
+          <a:stretch>
+            <a:fillRect/>
+          </a:stretch>
+        </p:blipFill>
+        <p:spPr>
+          <a:xfrm rot="18716050">
+            <a:off x="1918857" y="3502127"/>
+            <a:ext cx="566737" cy="566737"/>
+          </a:xfrm>
+          <a:prstGeom prst="rect">
+            <a:avLst/>
+          </a:prstGeom>
+        </p:spPr>
+      </p:pic>
+      <p:cxnSp>
+        <p:nvCxnSpPr>
+          <p:cNvPr id="8" name="직선 화살표 연결선 7">
+            <a:extLst>
+              <a:ext uri="{FF2B5EF4-FFF2-40B4-BE49-F238E27FC236}">
+                <a16:creationId xmlns:a16="http://schemas.microsoft.com/office/drawing/2014/main" id="{8308E312-4E7B-7653-CD64-E6B48D90410E}"/>
+              </a:ext>
+            </a:extLst>
+          </p:cNvPr>
+          <p:cNvCxnSpPr/>
+          <p:nvPr/>
+        </p:nvCxnSpPr>
+        <p:spPr>
+          <a:xfrm flipH="1">
+            <a:off x="1361782" y="3651496"/>
+            <a:ext cx="663389" cy="2572871"/>
+          </a:xfrm>
+          <a:prstGeom prst="straightConnector1">
+            <a:avLst/>
+          </a:prstGeom>
+          <a:ln w="28575">
+            <a:tailEnd type="triangle"/>
+          </a:ln>
+        </p:spPr>
+        <p:style>
+          <a:lnRef idx="1">
+            <a:schemeClr val="dk1"/>
+          </a:lnRef>
+          <a:fillRef idx="0">
+            <a:schemeClr val="dk1"/>
+          </a:fillRef>
+          <a:effectRef idx="0">
+            <a:schemeClr val="dk1"/>
+          </a:effectRef>
+          <a:fontRef idx="minor">
+            <a:schemeClr val="tx1"/>
+          </a:fontRef>
+        </p:style>
+      </p:cxnSp>
+      <p:pic>
+        <p:nvPicPr>
+          <p:cNvPr id="21" name="그래픽 20" descr="터치 스크린 단색으로 채워진">
+            <a:extLst>
+              <a:ext uri="{FF2B5EF4-FFF2-40B4-BE49-F238E27FC236}">
+                <a16:creationId xmlns:a16="http://schemas.microsoft.com/office/drawing/2014/main" id="{D95728B3-ED79-2C92-BA91-A89F9433F099}"/>
+              </a:ext>
+            </a:extLst>
+          </p:cNvPr>
+          <p:cNvPicPr>
+            <a:picLocks noChangeAspect="1"/>
+          </p:cNvPicPr>
+          <p:nvPr/>
+        </p:nvPicPr>
+        <p:blipFill>
+          <a:blip r:embed="rId4">
+            <a:extLst>
+              <a:ext uri="{28A0092B-C50C-407E-A947-70E740481C1C}">
+                <a14:useLocalDpi xmlns:a14="http://schemas.microsoft.com/office/drawing/2010/main" val="0"/>
+              </a:ext>
+              <a:ext uri="{96DAC541-7B7A-43D3-8B79-37D633B846F1}">
+                <asvg:svgBlip xmlns:asvg="http://schemas.microsoft.com/office/drawing/2016/SVG/main" r:embed="rId5"/>
+              </a:ext>
+            </a:extLst>
+          </a:blip>
+          <a:stretch>
+            <a:fillRect/>
+          </a:stretch>
+        </p:blipFill>
+        <p:spPr>
+          <a:xfrm rot="18716050">
+            <a:off x="7853423" y="6007372"/>
+            <a:ext cx="566737" cy="566737"/>
+          </a:xfrm>
+          <a:prstGeom prst="rect">
+            <a:avLst/>
+          </a:prstGeom>
+        </p:spPr>
+      </p:pic>
+      <p:cxnSp>
+        <p:nvCxnSpPr>
+          <p:cNvPr id="22" name="직선 화살표 연결선 21">
+            <a:extLst>
+              <a:ext uri="{FF2B5EF4-FFF2-40B4-BE49-F238E27FC236}">
+                <a16:creationId xmlns:a16="http://schemas.microsoft.com/office/drawing/2014/main" id="{C7780EA3-DF26-3E4F-FD76-A5087DB88335}"/>
+              </a:ext>
+            </a:extLst>
+          </p:cNvPr>
+          <p:cNvCxnSpPr/>
+          <p:nvPr/>
+        </p:nvCxnSpPr>
+        <p:spPr>
+          <a:xfrm flipH="1">
+            <a:off x="7968700" y="3651496"/>
+            <a:ext cx="663389" cy="2572871"/>
+          </a:xfrm>
+          <a:prstGeom prst="straightConnector1">
+            <a:avLst/>
+          </a:prstGeom>
+          <a:ln w="28575">
+            <a:tailEnd type="triangle"/>
+          </a:ln>
+        </p:spPr>
+        <p:style>
+          <a:lnRef idx="1">
+            <a:schemeClr val="dk1"/>
+          </a:lnRef>
+          <a:fillRef idx="0">
+            <a:schemeClr val="dk1"/>
+          </a:fillRef>
+          <a:effectRef idx="0">
+            <a:schemeClr val="dk1"/>
+          </a:effectRef>
+          <a:fontRef idx="minor">
+            <a:schemeClr val="tx1"/>
+          </a:fontRef>
+        </p:style>
+      </p:cxnSp>
+    </p:spTree>
+    <p:extLst>
+      <p:ext uri="{BB962C8B-B14F-4D97-AF65-F5344CB8AC3E}">
+        <p14:creationId xmlns:p14="http://schemas.microsoft.com/office/powerpoint/2010/main" val="57860551"/>
+      </p:ext>
+    </p:extLst>
+  </p:cSld>
+  <p:clrMapOvr>
+    <a:masterClrMapping/>
+  </p:clrMapOvr>
+</p:sld>
+</file>
+
+<file path=ppt/slides/slide7.xml><?xml version="1.0" encoding="utf-8"?>
+<p:sld xmlns:a="http://schemas.openxmlformats.org/drawingml/2006/main" xmlns:r="http://schemas.openxmlformats.org/officeDocument/2006/relationships" xmlns:p="http://schemas.openxmlformats.org/presentationml/2006/main">
+  <p:cSld>
+    <p:spTree>
+      <p:nvGrpSpPr>
+        <p:cNvPr id="1" name=""/>
+        <p:cNvGrpSpPr/>
+        <p:nvPr/>
+      </p:nvGrpSpPr>
+      <p:grpSpPr>
+        <a:xfrm>
+          <a:off x="0" y="0"/>
+          <a:ext cx="0" cy="0"/>
+          <a:chOff x="0" y="0"/>
+          <a:chExt cx="0" cy="0"/>
+        </a:xfrm>
+      </p:grpSpPr>
+      <p:sp>
+        <p:nvSpPr>
+          <p:cNvPr id="2" name="제목 1">
+            <a:extLst>
+              <a:ext uri="{FF2B5EF4-FFF2-40B4-BE49-F238E27FC236}">
+                <a16:creationId xmlns:a16="http://schemas.microsoft.com/office/drawing/2014/main" id="{49E81460-F6FE-4B02-A684-1F671D578A83}"/>
+              </a:ext>
+            </a:extLst>
+          </p:cNvPr>
+          <p:cNvSpPr>
+            <a:spLocks noGrp="1"/>
+          </p:cNvSpPr>
+          <p:nvPr>
+            <p:ph type="title"/>
+          </p:nvPr>
+        </p:nvSpPr>
+        <p:spPr/>
+        <p:txBody>
+          <a:bodyPr>
+            <a:normAutofit/>
+          </a:bodyPr>
+          <a:lstStyle/>
+          <a:p>
+            <a:r>
+              <a:rPr lang="ko-KR" altLang="en-US" sz="3200" b="1" dirty="0"/>
+              <a:t>아이템 튜토리얼 </a:t>
+            </a:r>
+            <a:r>
+              <a:rPr lang="en-US" altLang="ko-KR" sz="3200" b="1" dirty="0"/>
+              <a:t>- </a:t>
+            </a:r>
+            <a:r>
+              <a:rPr lang="ko-KR" altLang="en-US" sz="3200" b="1" dirty="0"/>
+              <a:t>물</a:t>
+            </a:r>
+          </a:p>
+        </p:txBody>
+      </p:sp>
+      <p:pic>
+        <p:nvPicPr>
+          <p:cNvPr id="39" name="그림 38">
+            <a:extLst>
+              <a:ext uri="{FF2B5EF4-FFF2-40B4-BE49-F238E27FC236}">
+                <a16:creationId xmlns:a16="http://schemas.microsoft.com/office/drawing/2014/main" id="{ADB4713A-3AA5-2BCA-B3A1-81689FDF127E}"/>
+              </a:ext>
+            </a:extLst>
+          </p:cNvPr>
+          <p:cNvPicPr>
+            <a:picLocks noChangeAspect="1"/>
+          </p:cNvPicPr>
+          <p:nvPr/>
+        </p:nvPicPr>
+        <p:blipFill>
+          <a:blip r:embed="rId2"/>
+          <a:stretch>
+            <a:fillRect/>
+          </a:stretch>
+        </p:blipFill>
+        <p:spPr>
+          <a:xfrm>
+            <a:off x="709279" y="1592935"/>
+            <a:ext cx="11088273" cy="4726346"/>
+          </a:xfrm>
+          <a:prstGeom prst="rect">
+            <a:avLst/>
+          </a:prstGeom>
+        </p:spPr>
+      </p:pic>
+    </p:spTree>
+    <p:extLst>
+      <p:ext uri="{BB962C8B-B14F-4D97-AF65-F5344CB8AC3E}">
+        <p14:creationId xmlns:p14="http://schemas.microsoft.com/office/powerpoint/2010/main" val="2855210026"/>
+      </p:ext>
+    </p:extLst>
+  </p:cSld>
+  <p:clrMapOvr>
+    <a:masterClrMapping/>
+  </p:clrMapOvr>
+</p:sld>
+</file>
+
+<file path=ppt/slides/slide8.xml><?xml version="1.0" encoding="utf-8"?>
+<p:sld xmlns:a="http://schemas.openxmlformats.org/drawingml/2006/main" xmlns:r="http://schemas.openxmlformats.org/officeDocument/2006/relationships" xmlns:p="http://schemas.openxmlformats.org/presentationml/2006/main">
+  <p:cSld>
+    <p:spTree>
+      <p:nvGrpSpPr>
+        <p:cNvPr id="1" name=""/>
+        <p:cNvGrpSpPr/>
+        <p:nvPr/>
+      </p:nvGrpSpPr>
+      <p:grpSpPr>
+        <a:xfrm>
+          <a:off x="0" y="0"/>
+          <a:ext cx="0" cy="0"/>
+          <a:chOff x="0" y="0"/>
+          <a:chExt cx="0" cy="0"/>
+        </a:xfrm>
+      </p:grpSpPr>
+      <p:sp>
+        <p:nvSpPr>
+          <p:cNvPr id="2" name="제목 1">
+            <a:extLst>
+              <a:ext uri="{FF2B5EF4-FFF2-40B4-BE49-F238E27FC236}">
+                <a16:creationId xmlns:a16="http://schemas.microsoft.com/office/drawing/2014/main" id="{49E81460-F6FE-4B02-A684-1F671D578A83}"/>
+              </a:ext>
+            </a:extLst>
+          </p:cNvPr>
+          <p:cNvSpPr>
+            <a:spLocks noGrp="1"/>
+          </p:cNvSpPr>
+          <p:nvPr>
+            <p:ph type="title"/>
+          </p:nvPr>
+        </p:nvSpPr>
+        <p:spPr/>
+        <p:txBody>
+          <a:bodyPr>
+            <a:normAutofit/>
+          </a:bodyPr>
+          <a:lstStyle/>
+          <a:p>
+            <a:r>
+              <a:rPr lang="ko-KR" altLang="en-US" sz="3200" b="1" dirty="0"/>
+              <a:t>아이템 튜토리얼 </a:t>
+            </a:r>
+            <a:r>
+              <a:rPr lang="en-US" altLang="ko-KR" sz="3200" b="1" dirty="0"/>
+              <a:t>- </a:t>
+            </a:r>
+            <a:r>
+              <a:rPr lang="ko-KR" altLang="en-US" sz="3200" b="1" dirty="0"/>
+              <a:t>엔진</a:t>
+            </a:r>
+          </a:p>
+        </p:txBody>
+      </p:sp>
+      <p:sp>
+        <p:nvSpPr>
+          <p:cNvPr id="27" name="직사각형 26">
+            <a:extLst>
+              <a:ext uri="{FF2B5EF4-FFF2-40B4-BE49-F238E27FC236}">
+                <a16:creationId xmlns:a16="http://schemas.microsoft.com/office/drawing/2014/main" id="{F1D2B903-4ED9-4206-BEBA-6CCF989E9B85}"/>
+              </a:ext>
+            </a:extLst>
+          </p:cNvPr>
+          <p:cNvSpPr/>
+          <p:nvPr/>
+        </p:nvSpPr>
+        <p:spPr>
+          <a:xfrm>
+            <a:off x="2560958" y="1251935"/>
+            <a:ext cx="6648356" cy="732022"/>
+          </a:xfrm>
+          <a:prstGeom prst="rect">
+            <a:avLst/>
+          </a:prstGeom>
+          <a:solidFill>
+            <a:schemeClr val="bg1"/>
+          </a:solidFill>
+          <a:ln w="28575">
+            <a:solidFill>
+              <a:schemeClr val="tx1"/>
+            </a:solidFill>
+          </a:ln>
+        </p:spPr>
+        <p:style>
+          <a:lnRef idx="2">
+            <a:schemeClr val="accent1">
+              <a:shade val="50000"/>
+            </a:schemeClr>
+          </a:lnRef>
+          <a:fillRef idx="1">
+            <a:schemeClr val="accent1"/>
+          </a:fillRef>
+          <a:effectRef idx="0">
+            <a:schemeClr val="accent1"/>
+          </a:effectRef>
+          <a:fontRef idx="minor">
+            <a:schemeClr val="lt1"/>
+          </a:fontRef>
+        </p:style>
+        <p:txBody>
+          <a:bodyPr rtlCol="0" anchor="ctr"/>
+          <a:lstStyle/>
+          <a:p>
+            <a:pPr algn="ctr"/>
+            <a:r>
+              <a:rPr lang="ko-KR" altLang="en-US" sz="1200" dirty="0">
+                <a:ln w="0"/>
+                <a:solidFill>
+                  <a:schemeClr val="tx1"/>
+                </a:solidFill>
+                <a:effectLst>
+                  <a:outerShdw blurRad="38100" dist="19050" dir="2700000" algn="tl" rotWithShape="0">
+                    <a:schemeClr val="dk1">
+                      <a:alpha val="40000"/>
+                    </a:schemeClr>
+                  </a:outerShdw>
+                </a:effectLst>
+              </a:rPr>
+              <a:t>위에 나와 있는 색깔 순서대로 전선을 끊으면 됩니다</a:t>
+            </a:r>
+            <a:r>
+              <a:rPr lang="en-US" altLang="ko-KR" sz="1200" dirty="0">
+                <a:ln w="0"/>
+                <a:solidFill>
+                  <a:schemeClr val="tx1"/>
+                </a:solidFill>
+                <a:effectLst>
+                  <a:outerShdw blurRad="38100" dist="19050" dir="2700000" algn="tl" rotWithShape="0">
+                    <a:schemeClr val="dk1">
+                      <a:alpha val="40000"/>
+                    </a:schemeClr>
+                  </a:outerShdw>
+                </a:effectLst>
+              </a:rPr>
+              <a:t>.</a:t>
+            </a:r>
+          </a:p>
+          <a:p>
+            <a:pPr algn="ctr"/>
+            <a:r>
+              <a:rPr lang="ko-KR" altLang="en-US" sz="1200" dirty="0">
+                <a:ln w="0"/>
+                <a:solidFill>
+                  <a:schemeClr val="tx1"/>
+                </a:solidFill>
+                <a:effectLst>
+                  <a:outerShdw blurRad="38100" dist="19050" dir="2700000" algn="tl" rotWithShape="0">
+                    <a:schemeClr val="dk1">
+                      <a:alpha val="40000"/>
+                    </a:schemeClr>
+                  </a:outerShdw>
+                </a:effectLst>
+              </a:rPr>
+              <a:t>순서가 아닌 전선을 끊었을 경우에는 선이 끊기지 않습니다</a:t>
+            </a:r>
+            <a:r>
+              <a:rPr lang="en-US" altLang="ko-KR" sz="1200" dirty="0">
+                <a:ln w="0"/>
+                <a:solidFill>
+                  <a:schemeClr val="tx1"/>
+                </a:solidFill>
+                <a:effectLst>
+                  <a:outerShdw blurRad="38100" dist="19050" dir="2700000" algn="tl" rotWithShape="0">
+                    <a:schemeClr val="dk1">
+                      <a:alpha val="40000"/>
+                    </a:schemeClr>
+                  </a:outerShdw>
+                </a:effectLst>
+              </a:rPr>
+              <a:t>.</a:t>
+            </a:r>
+          </a:p>
+          <a:p>
+            <a:pPr algn="ctr"/>
+            <a:r>
+              <a:rPr lang="ko-KR" altLang="en-US" sz="1200" dirty="0">
+                <a:ln w="0"/>
+                <a:solidFill>
+                  <a:schemeClr val="tx1"/>
+                </a:solidFill>
+                <a:effectLst>
+                  <a:outerShdw blurRad="38100" dist="19050" dir="2700000" algn="tl" rotWithShape="0">
+                    <a:schemeClr val="dk1">
+                      <a:alpha val="40000"/>
+                    </a:schemeClr>
+                  </a:outerShdw>
+                </a:effectLst>
+              </a:rPr>
+              <a:t>모든 전선을 끊고 나면 엔진 아이템이 중앙에 생성됩니다</a:t>
+            </a:r>
+            <a:r>
+              <a:rPr lang="en-US" altLang="ko-KR" sz="1200" dirty="0">
+                <a:ln w="0"/>
+                <a:solidFill>
+                  <a:schemeClr val="tx1"/>
+                </a:solidFill>
+                <a:effectLst>
+                  <a:outerShdw blurRad="38100" dist="19050" dir="2700000" algn="tl" rotWithShape="0">
+                    <a:schemeClr val="dk1">
+                      <a:alpha val="40000"/>
+                    </a:schemeClr>
+                  </a:outerShdw>
+                </a:effectLst>
+              </a:rPr>
+              <a:t>.</a:t>
+            </a:r>
+          </a:p>
+        </p:txBody>
+      </p:sp>
+      <p:pic>
+        <p:nvPicPr>
+          <p:cNvPr id="4" name="그림 3">
+            <a:extLst>
+              <a:ext uri="{FF2B5EF4-FFF2-40B4-BE49-F238E27FC236}">
+                <a16:creationId xmlns:a16="http://schemas.microsoft.com/office/drawing/2014/main" id="{5AB36F23-8F05-1A09-7EFF-D345112EC3BB}"/>
+              </a:ext>
+            </a:extLst>
+          </p:cNvPr>
+          <p:cNvPicPr>
+            <a:picLocks noChangeAspect="1"/>
+          </p:cNvPicPr>
+          <p:nvPr/>
+        </p:nvPicPr>
+        <p:blipFill>
+          <a:blip r:embed="rId2"/>
+          <a:stretch>
+            <a:fillRect/>
+          </a:stretch>
+        </p:blipFill>
+        <p:spPr>
+          <a:xfrm>
+            <a:off x="811466" y="2241176"/>
+            <a:ext cx="4431957" cy="4347882"/>
+          </a:xfrm>
+          <a:prstGeom prst="rect">
+            <a:avLst/>
+          </a:prstGeom>
+        </p:spPr>
+      </p:pic>
+      <p:pic>
+        <p:nvPicPr>
+          <p:cNvPr id="7" name="그림 6">
+            <a:extLst>
+              <a:ext uri="{FF2B5EF4-FFF2-40B4-BE49-F238E27FC236}">
+                <a16:creationId xmlns:a16="http://schemas.microsoft.com/office/drawing/2014/main" id="{8E38947E-19A8-A9E1-8D92-D45AE43B8DCA}"/>
+              </a:ext>
+            </a:extLst>
+          </p:cNvPr>
+          <p:cNvPicPr>
+            <a:picLocks noChangeAspect="1"/>
+          </p:cNvPicPr>
+          <p:nvPr/>
+        </p:nvPicPr>
+        <p:blipFill>
+          <a:blip r:embed="rId3"/>
+          <a:stretch>
+            <a:fillRect/>
+          </a:stretch>
+        </p:blipFill>
+        <p:spPr>
+          <a:xfrm>
+            <a:off x="6722714" y="2223160"/>
+            <a:ext cx="4431957" cy="4365898"/>
+          </a:xfrm>
+          <a:prstGeom prst="rect">
+            <a:avLst/>
+          </a:prstGeom>
+        </p:spPr>
+      </p:pic>
+      <p:sp>
+        <p:nvSpPr>
+          <p:cNvPr id="9" name="화살표: 오른쪽 8">
+            <a:extLst>
+              <a:ext uri="{FF2B5EF4-FFF2-40B4-BE49-F238E27FC236}">
+                <a16:creationId xmlns:a16="http://schemas.microsoft.com/office/drawing/2014/main" id="{AF8FD1E0-D88B-87A0-5267-595985A961DB}"/>
+              </a:ext>
+            </a:extLst>
+          </p:cNvPr>
+          <p:cNvSpPr/>
+          <p:nvPr/>
+        </p:nvSpPr>
+        <p:spPr>
+          <a:xfrm>
+            <a:off x="5493864" y="4025153"/>
+            <a:ext cx="978408" cy="484632"/>
+          </a:xfrm>
+          <a:prstGeom prst="rightArrow">
+            <a:avLst/>
+          </a:prstGeom>
+          <a:solidFill>
+            <a:schemeClr val="bg2">
+              <a:lumMod val="50000"/>
+            </a:schemeClr>
+          </a:solidFill>
+          <a:ln>
+            <a:solidFill>
+              <a:schemeClr val="tx1"/>
+            </a:solidFill>
+          </a:ln>
+        </p:spPr>
+        <p:style>
+          <a:lnRef idx="2">
+            <a:schemeClr val="accent1">
+              <a:shade val="50000"/>
+            </a:schemeClr>
+          </a:lnRef>
+          <a:fillRef idx="1">
+            <a:schemeClr val="accent1"/>
+          </a:fillRef>
+          <a:effectRef idx="0">
+            <a:schemeClr val="accent1"/>
+          </a:effectRef>
+          <a:fontRef idx="minor">
+            <a:schemeClr val="lt1"/>
+          </a:fontRef>
+        </p:style>
+        <p:txBody>
+          <a:bodyPr rtlCol="0" anchor="ctr"/>
+          <a:lstStyle/>
+          <a:p>
+            <a:pPr algn="ctr"/>
+            <a:endParaRPr lang="ko-KR" altLang="en-US"/>
+          </a:p>
+        </p:txBody>
+      </p:sp>
+    </p:spTree>
+    <p:extLst>
+      <p:ext uri="{BB962C8B-B14F-4D97-AF65-F5344CB8AC3E}">
+        <p14:creationId xmlns:p14="http://schemas.microsoft.com/office/powerpoint/2010/main" val="231027093"/>
+      </p:ext>
+    </p:extLst>
+  </p:cSld>
+  <p:clrMapOvr>
+    <a:masterClrMapping/>
+  </p:clrMapOvr>
+</p:sld>
+</file>
+
+<file path=ppt/slides/slide9.xml><?xml version="1.0" encoding="utf-8"?>
+<p:sld xmlns:a="http://schemas.openxmlformats.org/drawingml/2006/main" xmlns:r="http://schemas.openxmlformats.org/officeDocument/2006/relationships" xmlns:p="http://schemas.openxmlformats.org/presentationml/2006/main">
+  <p:cSld>
+    <p:spTree>
+      <p:nvGrpSpPr>
+        <p:cNvPr id="1" name=""/>
+        <p:cNvGrpSpPr/>
+        <p:nvPr/>
+      </p:nvGrpSpPr>
+      <p:grpSpPr>
+        <a:xfrm>
+          <a:off x="0" y="0"/>
+          <a:ext cx="0" cy="0"/>
+          <a:chOff x="0" y="0"/>
+          <a:chExt cx="0" cy="0"/>
+        </a:xfrm>
+      </p:grpSpPr>
+      <p:sp>
+        <p:nvSpPr>
+          <p:cNvPr id="2" name="제목 1">
+            <a:extLst>
+              <a:ext uri="{FF2B5EF4-FFF2-40B4-BE49-F238E27FC236}">
+                <a16:creationId xmlns:a16="http://schemas.microsoft.com/office/drawing/2014/main" id="{49E81460-F6FE-4B02-A684-1F671D578A83}"/>
+              </a:ext>
+            </a:extLst>
+          </p:cNvPr>
+          <p:cNvSpPr>
+            <a:spLocks noGrp="1"/>
+          </p:cNvSpPr>
+          <p:nvPr>
+            <p:ph type="title"/>
+          </p:nvPr>
+        </p:nvSpPr>
+        <p:spPr/>
+        <p:txBody>
+          <a:bodyPr>
+            <a:normAutofit/>
+          </a:bodyPr>
+          <a:lstStyle/>
+          <a:p>
+            <a:r>
+              <a:rPr lang="ko-KR" altLang="en-US" sz="3200" b="1" dirty="0"/>
+              <a:t>아이템 튜토리얼 </a:t>
+            </a:r>
+            <a:r>
+              <a:rPr lang="en-US" altLang="ko-KR" sz="3200" b="1" dirty="0"/>
+              <a:t>- </a:t>
+            </a:r>
+            <a:r>
+              <a:rPr lang="ko-KR" altLang="en-US" sz="3200" b="1" dirty="0"/>
+              <a:t>모래</a:t>
+            </a:r>
+          </a:p>
+        </p:txBody>
+      </p:sp>
+      <p:sp>
+        <p:nvSpPr>
+          <p:cNvPr id="27" name="직사각형 26">
+            <a:extLst>
+              <a:ext uri="{FF2B5EF4-FFF2-40B4-BE49-F238E27FC236}">
+                <a16:creationId xmlns:a16="http://schemas.microsoft.com/office/drawing/2014/main" id="{F1D2B903-4ED9-4206-BEBA-6CCF989E9B85}"/>
+              </a:ext>
+            </a:extLst>
+          </p:cNvPr>
+          <p:cNvSpPr/>
+          <p:nvPr/>
+        </p:nvSpPr>
+        <p:spPr>
+          <a:xfrm>
+            <a:off x="2560958" y="1251935"/>
+            <a:ext cx="6648356" cy="732022"/>
+          </a:xfrm>
+          <a:prstGeom prst="rect">
+            <a:avLst/>
+          </a:prstGeom>
+          <a:solidFill>
+            <a:schemeClr val="bg1"/>
+          </a:solidFill>
+          <a:ln w="28575">
+            <a:solidFill>
+              <a:schemeClr val="tx1"/>
+            </a:solidFill>
+          </a:ln>
+        </p:spPr>
+        <p:style>
+          <a:lnRef idx="2">
+            <a:schemeClr val="accent1">
+              <a:shade val="50000"/>
+            </a:schemeClr>
+          </a:lnRef>
+          <a:fillRef idx="1">
+            <a:schemeClr val="accent1"/>
+          </a:fillRef>
+          <a:effectRef idx="0">
+            <a:schemeClr val="accent1"/>
+          </a:effectRef>
+          <a:fontRef idx="minor">
+            <a:schemeClr val="lt1"/>
+          </a:fontRef>
+        </p:style>
+        <p:txBody>
+          <a:bodyPr rtlCol="0" anchor="ctr"/>
+          <a:lstStyle/>
+          <a:p>
+            <a:pPr algn="ctr"/>
+            <a:r>
+              <a:rPr lang="ko-KR" altLang="en-US" sz="1100" dirty="0">
+                <a:ln w="0"/>
+                <a:solidFill>
+                  <a:schemeClr val="tx1"/>
+                </a:solidFill>
+                <a:effectLst>
+                  <a:outerShdw blurRad="38100" dist="19050" dir="2700000" algn="tl" rotWithShape="0">
+                    <a:schemeClr val="dk1">
+                      <a:alpha val="40000"/>
+                    </a:schemeClr>
+                  </a:outerShdw>
+                </a:effectLst>
+              </a:rPr>
+              <a:t>검은 색 선이 점점 줄어듭니다</a:t>
+            </a:r>
+            <a:r>
+              <a:rPr lang="en-US" altLang="ko-KR" sz="1100" dirty="0">
+                <a:ln w="0"/>
+                <a:solidFill>
+                  <a:schemeClr val="tx1"/>
+                </a:solidFill>
+                <a:effectLst>
+                  <a:outerShdw blurRad="38100" dist="19050" dir="2700000" algn="tl" rotWithShape="0">
+                    <a:schemeClr val="dk1">
+                      <a:alpha val="40000"/>
+                    </a:schemeClr>
+                  </a:outerShdw>
+                </a:effectLst>
+              </a:rPr>
+              <a:t>. </a:t>
+            </a:r>
+          </a:p>
+          <a:p>
+            <a:pPr algn="ctr"/>
+            <a:r>
+              <a:rPr lang="ko-KR" altLang="en-US" sz="1100" dirty="0">
+                <a:ln w="0"/>
+                <a:solidFill>
+                  <a:schemeClr val="tx1"/>
+                </a:solidFill>
+                <a:effectLst>
+                  <a:outerShdw blurRad="38100" dist="19050" dir="2700000" algn="tl" rotWithShape="0">
+                    <a:schemeClr val="dk1">
+                      <a:alpha val="40000"/>
+                    </a:schemeClr>
+                  </a:outerShdw>
+                </a:effectLst>
+              </a:rPr>
+              <a:t>정확히 줄어들었을 때 클릭하면 모래가 절반 모이고 살짝 벗어나게 되면 </a:t>
+            </a:r>
+            <a:r>
+              <a:rPr lang="en-US" altLang="ko-KR" sz="1100" dirty="0">
+                <a:ln w="0"/>
+                <a:solidFill>
+                  <a:schemeClr val="tx1"/>
+                </a:solidFill>
+                <a:effectLst>
+                  <a:outerShdw blurRad="38100" dist="19050" dir="2700000" algn="tl" rotWithShape="0">
+                    <a:schemeClr val="dk1">
+                      <a:alpha val="40000"/>
+                    </a:schemeClr>
+                  </a:outerShdw>
+                </a:effectLst>
+              </a:rPr>
+              <a:t>4</a:t>
+            </a:r>
+            <a:r>
+              <a:rPr lang="ko-KR" altLang="en-US" sz="1100" dirty="0">
+                <a:ln w="0"/>
+                <a:solidFill>
+                  <a:schemeClr val="tx1"/>
+                </a:solidFill>
+                <a:effectLst>
+                  <a:outerShdw blurRad="38100" dist="19050" dir="2700000" algn="tl" rotWithShape="0">
+                    <a:schemeClr val="dk1">
+                      <a:alpha val="40000"/>
+                    </a:schemeClr>
+                  </a:outerShdw>
+                </a:effectLst>
+              </a:rPr>
+              <a:t>분의 </a:t>
+            </a:r>
+            <a:r>
+              <a:rPr lang="en-US" altLang="ko-KR" sz="1100" dirty="0">
+                <a:ln w="0"/>
+                <a:solidFill>
+                  <a:schemeClr val="tx1"/>
+                </a:solidFill>
+                <a:effectLst>
+                  <a:outerShdw blurRad="38100" dist="19050" dir="2700000" algn="tl" rotWithShape="0">
+                    <a:schemeClr val="dk1">
+                      <a:alpha val="40000"/>
+                    </a:schemeClr>
+                  </a:outerShdw>
+                </a:effectLst>
+              </a:rPr>
+              <a:t>1</a:t>
+            </a:r>
+            <a:r>
+              <a:rPr lang="ko-KR" altLang="en-US" sz="1100" dirty="0">
+                <a:ln w="0"/>
+                <a:solidFill>
+                  <a:schemeClr val="tx1"/>
+                </a:solidFill>
+                <a:effectLst>
+                  <a:outerShdw blurRad="38100" dist="19050" dir="2700000" algn="tl" rotWithShape="0">
+                    <a:schemeClr val="dk1">
+                      <a:alpha val="40000"/>
+                    </a:schemeClr>
+                  </a:outerShdw>
+                </a:effectLst>
+              </a:rPr>
+              <a:t>이 모이게 됩니다</a:t>
+            </a:r>
+            <a:r>
+              <a:rPr lang="en-US" altLang="ko-KR" sz="1100" dirty="0">
+                <a:ln w="0"/>
+                <a:solidFill>
+                  <a:schemeClr val="tx1"/>
+                </a:solidFill>
+                <a:effectLst>
+                  <a:outerShdw blurRad="38100" dist="19050" dir="2700000" algn="tl" rotWithShape="0">
+                    <a:schemeClr val="dk1">
+                      <a:alpha val="40000"/>
+                    </a:schemeClr>
+                  </a:outerShdw>
+                </a:effectLst>
+              </a:rPr>
+              <a:t>.</a:t>
+            </a:r>
+            <a:r>
+              <a:rPr lang="ko-KR" altLang="en-US" sz="1100" dirty="0">
+                <a:ln w="0"/>
+                <a:solidFill>
+                  <a:schemeClr val="tx1"/>
+                </a:solidFill>
+                <a:effectLst>
+                  <a:outerShdw blurRad="38100" dist="19050" dir="2700000" algn="tl" rotWithShape="0">
+                    <a:schemeClr val="dk1">
+                      <a:alpha val="40000"/>
+                    </a:schemeClr>
+                  </a:outerShdw>
+                </a:effectLst>
+              </a:rPr>
+              <a:t> </a:t>
+            </a:r>
+            <a:endParaRPr lang="en-US" altLang="ko-KR" sz="1100" dirty="0">
+              <a:ln w="0"/>
+              <a:solidFill>
+                <a:schemeClr val="tx1"/>
+              </a:solidFill>
+              <a:effectLst>
+                <a:outerShdw blurRad="38100" dist="19050" dir="2700000" algn="tl" rotWithShape="0">
+                  <a:schemeClr val="dk1">
+                    <a:alpha val="40000"/>
+                  </a:schemeClr>
+                </a:outerShdw>
+              </a:effectLst>
+            </a:endParaRPr>
+          </a:p>
+          <a:p>
+            <a:pPr algn="ctr"/>
+            <a:r>
+              <a:rPr lang="ko-KR" altLang="en-US" sz="1100" dirty="0">
+                <a:ln w="0"/>
+                <a:solidFill>
+                  <a:schemeClr val="tx1"/>
+                </a:solidFill>
+                <a:effectLst>
+                  <a:outerShdw blurRad="38100" dist="19050" dir="2700000" algn="tl" rotWithShape="0">
+                    <a:schemeClr val="dk1">
+                      <a:alpha val="40000"/>
+                    </a:schemeClr>
+                  </a:outerShdw>
+                </a:effectLst>
+              </a:rPr>
+              <a:t>너무 많이 벗어나게 되면 모래를 모으지 못하게 되니 주의하세요</a:t>
+            </a:r>
+            <a:r>
+              <a:rPr lang="en-US" altLang="ko-KR" sz="1100" dirty="0">
+                <a:ln w="0"/>
+                <a:solidFill>
+                  <a:schemeClr val="tx1"/>
+                </a:solidFill>
+                <a:effectLst>
+                  <a:outerShdw blurRad="38100" dist="19050" dir="2700000" algn="tl" rotWithShape="0">
+                    <a:schemeClr val="dk1">
+                      <a:alpha val="40000"/>
+                    </a:schemeClr>
+                  </a:outerShdw>
+                </a:effectLst>
+              </a:rPr>
+              <a:t>.</a:t>
+            </a:r>
+          </a:p>
+        </p:txBody>
+      </p:sp>
+      <p:pic>
+        <p:nvPicPr>
+          <p:cNvPr id="5" name="그림 4">
+            <a:extLst>
+              <a:ext uri="{FF2B5EF4-FFF2-40B4-BE49-F238E27FC236}">
+                <a16:creationId xmlns:a16="http://schemas.microsoft.com/office/drawing/2014/main" id="{469D4596-9773-1C4A-7945-4BA926B53ED3}"/>
+              </a:ext>
+            </a:extLst>
+          </p:cNvPr>
+          <p:cNvPicPr>
+            <a:picLocks noChangeAspect="1"/>
+          </p:cNvPicPr>
+          <p:nvPr/>
+        </p:nvPicPr>
+        <p:blipFill>
+          <a:blip r:embed="rId2"/>
+          <a:stretch>
+            <a:fillRect/>
+          </a:stretch>
+        </p:blipFill>
+        <p:spPr>
+          <a:xfrm>
+            <a:off x="573740" y="2188662"/>
+            <a:ext cx="4665553" cy="4570725"/>
+          </a:xfrm>
+          <a:prstGeom prst="rect">
+            <a:avLst/>
+          </a:prstGeom>
+        </p:spPr>
+      </p:pic>
+      <p:pic>
+        <p:nvPicPr>
+          <p:cNvPr id="8" name="그림 7">
+            <a:extLst>
+              <a:ext uri="{FF2B5EF4-FFF2-40B4-BE49-F238E27FC236}">
+                <a16:creationId xmlns:a16="http://schemas.microsoft.com/office/drawing/2014/main" id="{4A16D338-6C7F-16D0-D7C8-0F4B85A648BD}"/>
+              </a:ext>
+            </a:extLst>
+          </p:cNvPr>
+          <p:cNvPicPr>
+            <a:picLocks noChangeAspect="1"/>
+          </p:cNvPicPr>
+          <p:nvPr/>
+        </p:nvPicPr>
+        <p:blipFill>
+          <a:blip r:embed="rId3"/>
+          <a:stretch>
+            <a:fillRect/>
+          </a:stretch>
+        </p:blipFill>
+        <p:spPr>
+          <a:xfrm>
+            <a:off x="7218890" y="2276042"/>
+            <a:ext cx="1058193" cy="952374"/>
+          </a:xfrm>
+          <a:prstGeom prst="rect">
+            <a:avLst/>
+          </a:prstGeom>
+        </p:spPr>
+      </p:pic>
+      <p:pic>
+        <p:nvPicPr>
+          <p:cNvPr id="11" name="그림 10">
+            <a:extLst>
+              <a:ext uri="{FF2B5EF4-FFF2-40B4-BE49-F238E27FC236}">
+                <a16:creationId xmlns:a16="http://schemas.microsoft.com/office/drawing/2014/main" id="{B5734475-70D8-813C-BF6D-1A650C0D88F4}"/>
+              </a:ext>
+            </a:extLst>
+          </p:cNvPr>
+          <p:cNvPicPr>
+            <a:picLocks noChangeAspect="1"/>
+          </p:cNvPicPr>
+          <p:nvPr/>
+        </p:nvPicPr>
+        <p:blipFill>
+          <a:blip r:embed="rId4"/>
+          <a:stretch>
+            <a:fillRect/>
+          </a:stretch>
+        </p:blipFill>
+        <p:spPr>
+          <a:xfrm>
+            <a:off x="6330476" y="5139431"/>
+            <a:ext cx="1534313" cy="1332188"/>
+          </a:xfrm>
+          <a:prstGeom prst="rect">
+            <a:avLst/>
+          </a:prstGeom>
+        </p:spPr>
+      </p:pic>
+      <p:pic>
+        <p:nvPicPr>
+          <p:cNvPr id="13" name="그림 12">
+            <a:extLst>
+              <a:ext uri="{FF2B5EF4-FFF2-40B4-BE49-F238E27FC236}">
+                <a16:creationId xmlns:a16="http://schemas.microsoft.com/office/drawing/2014/main" id="{7C25A048-539F-6F7C-8D3B-9A6DD63B39B7}"/>
+              </a:ext>
+            </a:extLst>
+          </p:cNvPr>
+          <p:cNvPicPr>
+            <a:picLocks noChangeAspect="1"/>
+          </p:cNvPicPr>
+          <p:nvPr/>
+        </p:nvPicPr>
+        <p:blipFill>
+          <a:blip r:embed="rId5"/>
+          <a:stretch>
+            <a:fillRect/>
+          </a:stretch>
+        </p:blipFill>
+        <p:spPr>
+          <a:xfrm>
+            <a:off x="5969199" y="2276041"/>
+            <a:ext cx="1065902" cy="952374"/>
+          </a:xfrm>
+          <a:prstGeom prst="rect">
+            <a:avLst/>
+          </a:prstGeom>
+        </p:spPr>
+      </p:pic>
+      <p:pic>
+        <p:nvPicPr>
+          <p:cNvPr id="15" name="그림 14">
+            <a:extLst>
+              <a:ext uri="{FF2B5EF4-FFF2-40B4-BE49-F238E27FC236}">
+                <a16:creationId xmlns:a16="http://schemas.microsoft.com/office/drawing/2014/main" id="{D138F988-58B3-0DC9-7C54-366CF9887B06}"/>
+              </a:ext>
+            </a:extLst>
+          </p:cNvPr>
+          <p:cNvPicPr>
+            <a:picLocks noChangeAspect="1"/>
+          </p:cNvPicPr>
+          <p:nvPr/>
+        </p:nvPicPr>
+        <p:blipFill>
+          <a:blip r:embed="rId6"/>
+          <a:stretch>
+            <a:fillRect/>
+          </a:stretch>
+        </p:blipFill>
+        <p:spPr>
+          <a:xfrm>
+            <a:off x="6330476" y="3545669"/>
+            <a:ext cx="1534313" cy="1290218"/>
+          </a:xfrm>
+          <a:prstGeom prst="rect">
+            <a:avLst/>
+          </a:prstGeom>
+        </p:spPr>
+      </p:pic>
+      <p:pic>
+        <p:nvPicPr>
+          <p:cNvPr id="17" name="그림 16">
+            <a:extLst>
+              <a:ext uri="{FF2B5EF4-FFF2-40B4-BE49-F238E27FC236}">
+                <a16:creationId xmlns:a16="http://schemas.microsoft.com/office/drawing/2014/main" id="{295066AD-49C5-4F90-34B6-90AD94267B64}"/>
+              </a:ext>
+            </a:extLst>
+          </p:cNvPr>
+          <p:cNvPicPr>
+            <a:picLocks noChangeAspect="1"/>
+          </p:cNvPicPr>
+          <p:nvPr/>
+        </p:nvPicPr>
+        <p:blipFill>
+          <a:blip r:embed="rId7"/>
+          <a:stretch>
+            <a:fillRect/>
+          </a:stretch>
+        </p:blipFill>
+        <p:spPr>
+          <a:xfrm>
+            <a:off x="9282231" y="3573467"/>
+            <a:ext cx="1816075" cy="1175108"/>
+          </a:xfrm>
+          <a:prstGeom prst="rect">
+            <a:avLst/>
+          </a:prstGeom>
+        </p:spPr>
+      </p:pic>
+      <p:pic>
+        <p:nvPicPr>
+          <p:cNvPr id="19" name="그림 18">
+            <a:extLst>
+              <a:ext uri="{FF2B5EF4-FFF2-40B4-BE49-F238E27FC236}">
+                <a16:creationId xmlns:a16="http://schemas.microsoft.com/office/drawing/2014/main" id="{D73693D0-2DB3-9365-9C2A-654AFB61C083}"/>
+              </a:ext>
+            </a:extLst>
+          </p:cNvPr>
+          <p:cNvPicPr>
+            <a:picLocks noChangeAspect="1"/>
+          </p:cNvPicPr>
+          <p:nvPr/>
+        </p:nvPicPr>
+        <p:blipFill>
+          <a:blip r:embed="rId8"/>
+          <a:stretch>
+            <a:fillRect/>
+          </a:stretch>
+        </p:blipFill>
+        <p:spPr>
+          <a:xfrm>
+            <a:off x="9240077" y="2108971"/>
+            <a:ext cx="1900382" cy="1286513"/>
+          </a:xfrm>
+          <a:prstGeom prst="rect">
+            <a:avLst/>
+          </a:prstGeom>
+        </p:spPr>
+      </p:pic>
+      <p:pic>
+        <p:nvPicPr>
+          <p:cNvPr id="21" name="그림 20">
+            <a:extLst>
+              <a:ext uri="{FF2B5EF4-FFF2-40B4-BE49-F238E27FC236}">
+                <a16:creationId xmlns:a16="http://schemas.microsoft.com/office/drawing/2014/main" id="{94EFEF76-DECD-5928-D1ED-0912C817CB3C}"/>
+              </a:ext>
+            </a:extLst>
+          </p:cNvPr>
+          <p:cNvPicPr>
+            <a:picLocks noChangeAspect="1"/>
+          </p:cNvPicPr>
+          <p:nvPr/>
+        </p:nvPicPr>
+        <p:blipFill>
+          <a:blip r:embed="rId9"/>
+          <a:stretch>
+            <a:fillRect/>
+          </a:stretch>
+        </p:blipFill>
+        <p:spPr>
+          <a:xfrm>
+            <a:off x="9282231" y="5284779"/>
+            <a:ext cx="1816076" cy="1219274"/>
+          </a:xfrm>
+          <a:prstGeom prst="rect">
+            <a:avLst/>
+          </a:prstGeom>
+        </p:spPr>
+      </p:pic>
+      <p:sp>
+        <p:nvSpPr>
+          <p:cNvPr id="23" name="화살표: 오른쪽 22">
+            <a:extLst>
+              <a:ext uri="{FF2B5EF4-FFF2-40B4-BE49-F238E27FC236}">
+                <a16:creationId xmlns:a16="http://schemas.microsoft.com/office/drawing/2014/main" id="{98610821-B5A8-951D-E2B0-FF17F28E4E6E}"/>
+              </a:ext>
+            </a:extLst>
+          </p:cNvPr>
+          <p:cNvSpPr/>
+          <p:nvPr/>
+        </p:nvSpPr>
+        <p:spPr>
+          <a:xfrm>
+            <a:off x="8496077" y="2552767"/>
+            <a:ext cx="525005" cy="398920"/>
+          </a:xfrm>
+          <a:prstGeom prst="rightArrow">
+            <a:avLst/>
+          </a:prstGeom>
+          <a:solidFill>
+            <a:schemeClr val="tx1">
+              <a:lumMod val="75000"/>
+              <a:lumOff val="25000"/>
+            </a:schemeClr>
+          </a:solidFill>
+          <a:ln>
+            <a:solidFill>
+              <a:schemeClr val="tx1"/>
+            </a:solidFill>
+          </a:ln>
+        </p:spPr>
+        <p:style>
+          <a:lnRef idx="2">
+            <a:schemeClr val="accent1">
+              <a:shade val="50000"/>
+            </a:schemeClr>
+          </a:lnRef>
+          <a:fillRef idx="1">
+            <a:schemeClr val="accent1"/>
+          </a:fillRef>
+          <a:effectRef idx="0">
+            <a:schemeClr val="accent1"/>
+          </a:effectRef>
+          <a:fontRef idx="minor">
+            <a:schemeClr val="lt1"/>
+          </a:fontRef>
+        </p:style>
+        <p:txBody>
+          <a:bodyPr rtlCol="0" anchor="ctr"/>
+          <a:lstStyle/>
+          <a:p>
+            <a:pPr algn="ctr"/>
+            <a:endParaRPr lang="ko-KR" altLang="en-US"/>
+          </a:p>
+        </p:txBody>
+      </p:sp>
+      <p:sp>
+        <p:nvSpPr>
+          <p:cNvPr id="24" name="화살표: 오른쪽 23">
+            <a:extLst>
+              <a:ext uri="{FF2B5EF4-FFF2-40B4-BE49-F238E27FC236}">
+                <a16:creationId xmlns:a16="http://schemas.microsoft.com/office/drawing/2014/main" id="{17AE44A1-B6E5-9667-067A-83D630036FBE}"/>
+              </a:ext>
+            </a:extLst>
+          </p:cNvPr>
+          <p:cNvSpPr/>
+          <p:nvPr/>
+        </p:nvSpPr>
+        <p:spPr>
+          <a:xfrm>
+            <a:off x="8477375" y="3906314"/>
+            <a:ext cx="525005" cy="398920"/>
+          </a:xfrm>
+          <a:prstGeom prst="rightArrow">
+            <a:avLst/>
+          </a:prstGeom>
+          <a:solidFill>
+            <a:schemeClr val="tx1">
+              <a:lumMod val="75000"/>
+              <a:lumOff val="25000"/>
+            </a:schemeClr>
+          </a:solidFill>
+          <a:ln>
+            <a:solidFill>
+              <a:schemeClr val="tx1"/>
+            </a:solidFill>
+          </a:ln>
+        </p:spPr>
+        <p:style>
+          <a:lnRef idx="2">
+            <a:schemeClr val="accent1">
+              <a:shade val="50000"/>
+            </a:schemeClr>
+          </a:lnRef>
+          <a:fillRef idx="1">
+            <a:schemeClr val="accent1"/>
+          </a:fillRef>
+          <a:effectRef idx="0">
+            <a:schemeClr val="accent1"/>
+          </a:effectRef>
+          <a:fontRef idx="minor">
+            <a:schemeClr val="lt1"/>
+          </a:fontRef>
+        </p:style>
+        <p:txBody>
+          <a:bodyPr rtlCol="0" anchor="ctr"/>
+          <a:lstStyle/>
+          <a:p>
+            <a:pPr algn="ctr"/>
+            <a:endParaRPr lang="ko-KR" altLang="en-US"/>
+          </a:p>
+        </p:txBody>
+      </p:sp>
+      <p:sp>
+        <p:nvSpPr>
+          <p:cNvPr id="25" name="화살표: 오른쪽 24">
+            <a:extLst>
+              <a:ext uri="{FF2B5EF4-FFF2-40B4-BE49-F238E27FC236}">
+                <a16:creationId xmlns:a16="http://schemas.microsoft.com/office/drawing/2014/main" id="{8A58551E-12DD-6DED-9701-A3B4E14F887B}"/>
+              </a:ext>
+            </a:extLst>
+          </p:cNvPr>
+          <p:cNvSpPr/>
+          <p:nvPr/>
+        </p:nvSpPr>
+        <p:spPr>
+          <a:xfrm>
+            <a:off x="8477375" y="5606065"/>
+            <a:ext cx="525005" cy="398920"/>
+          </a:xfrm>
+          <a:prstGeom prst="rightArrow">
+            <a:avLst/>
+          </a:prstGeom>
+          <a:solidFill>
+            <a:schemeClr val="tx1">
+              <a:lumMod val="75000"/>
+              <a:lumOff val="25000"/>
+            </a:schemeClr>
+          </a:solidFill>
+          <a:ln>
+            <a:solidFill>
+              <a:schemeClr val="tx1"/>
+            </a:solidFill>
+          </a:ln>
+        </p:spPr>
+        <p:style>
+          <a:lnRef idx="2">
+            <a:schemeClr val="accent1">
+              <a:shade val="50000"/>
+            </a:schemeClr>
+          </a:lnRef>
+          <a:fillRef idx="1">
+            <a:schemeClr val="accent1"/>
+          </a:fillRef>
+          <a:effectRef idx="0">
+            <a:schemeClr val="accent1"/>
+          </a:effectRef>
+          <a:fontRef idx="minor">
+            <a:schemeClr val="lt1"/>
+          </a:fontRef>
+        </p:style>
+        <p:txBody>
+          <a:bodyPr rtlCol="0" anchor="ctr"/>
+          <a:lstStyle/>
+          <a:p>
+            <a:pPr algn="ctr"/>
+            <a:endParaRPr lang="ko-KR" altLang="en-US"/>
+          </a:p>
+        </p:txBody>
+      </p:sp>
+      <p:cxnSp>
+        <p:nvCxnSpPr>
+          <p:cNvPr id="26" name="직선 연결선 25">
+            <a:extLst>
+              <a:ext uri="{FF2B5EF4-FFF2-40B4-BE49-F238E27FC236}">
+                <a16:creationId xmlns:a16="http://schemas.microsoft.com/office/drawing/2014/main" id="{AA1ED069-26EC-8AC8-842A-DD956E7223EF}"/>
+              </a:ext>
+            </a:extLst>
+          </p:cNvPr>
+          <p:cNvCxnSpPr>
+            <a:cxnSpLocks/>
+          </p:cNvCxnSpPr>
+          <p:nvPr/>
+        </p:nvCxnSpPr>
+        <p:spPr>
+          <a:xfrm flipH="1">
+            <a:off x="5547957" y="2238345"/>
+            <a:ext cx="17595" cy="4521042"/>
+          </a:xfrm>
+          <a:prstGeom prst="line">
+            <a:avLst/>
+          </a:prstGeom>
+          <a:ln w="38100"/>
+        </p:spPr>
+        <p:style>
+          <a:lnRef idx="1">
+            <a:schemeClr val="dk1"/>
+          </a:lnRef>
+          <a:fillRef idx="0">
+            <a:schemeClr val="dk1"/>
+          </a:fillRef>
+          <a:effectRef idx="0">
+            <a:schemeClr val="dk1"/>
+          </a:effectRef>
+          <a:fontRef idx="minor">
+            <a:schemeClr val="tx1"/>
+          </a:fontRef>
+        </p:style>
+      </p:cxnSp>
+    </p:spTree>
+    <p:extLst>
+      <p:ext uri="{BB962C8B-B14F-4D97-AF65-F5344CB8AC3E}">
+        <p14:creationId xmlns:p14="http://schemas.microsoft.com/office/powerpoint/2010/main" val="1044047189"/>
       </p:ext>
     </p:extLst>
   </p:cSld>
